--- a/Bloque 2 - Instalación/Taller7 - Hablando de entorno en macOS.pptx
+++ b/Bloque 2 - Instalación/Taller7 - Hablando de entorno en macOS.pptx
@@ -6,11 +6,13 @@
     <p:sldMasterId id="2147483793" r:id="rId2"/>
   </p:sldMasterIdLst>
   <p:notesMasterIdLst>
-    <p:notesMasterId r:id="rId5"/>
+    <p:notesMasterId r:id="rId7"/>
   </p:notesMasterIdLst>
   <p:sldIdLst>
     <p:sldId id="291" r:id="rId3"/>
-    <p:sldId id="282" r:id="rId4"/>
+    <p:sldId id="2147469518" r:id="rId4"/>
+    <p:sldId id="2147469507" r:id="rId5"/>
+    <p:sldId id="282" r:id="rId6"/>
   </p:sldIdLst>
   <p:sldSz cx="12192000" cy="6858000"/>
   <p:notesSz cx="6858000" cy="9144000"/>
@@ -3449,7 +3451,7 @@
           <a:p>
             <a:fld id="{A334C884-B1D7-A043-A4AA-521744755A4B}" type="datetimeFigureOut">
               <a:rPr lang="en-US" smtClean="0"/>
-              <a:t>4/2/2022</a:t>
+              <a:t>4/17/2022</a:t>
             </a:fld>
             <a:endParaRPr lang="en-US"/>
           </a:p>
@@ -3760,6 +3762,167 @@
           <a:bodyPr/>
           <a:lstStyle/>
           <a:p>
+            <a:pPr marL="0" marR="0" lvl="0" indent="0" algn="l" defTabSz="914400" rtl="0" eaLnBrk="1" fontAlgn="auto" latinLnBrk="0" hangingPunct="1">
+              <a:lnSpc>
+                <a:spcPct val="100000"/>
+              </a:lnSpc>
+              <a:spcBef>
+                <a:spcPts val="0"/>
+              </a:spcBef>
+              <a:spcAft>
+                <a:spcPts val="0"/>
+              </a:spcAft>
+              <a:buClrTx/>
+              <a:buSzTx/>
+              <a:buFontTx/>
+              <a:buNone/>
+              <a:tabLst/>
+              <a:defRPr/>
+            </a:pPr>
+            <a:endParaRPr lang="en-US" dirty="0"/>
+          </a:p>
+        </p:txBody>
+      </p:sp>
+      <p:sp>
+        <p:nvSpPr>
+          <p:cNvPr id="4" name="Slide Number Placeholder 3"/>
+          <p:cNvSpPr>
+            <a:spLocks noGrp="1"/>
+          </p:cNvSpPr>
+          <p:nvPr>
+            <p:ph type="sldNum" sz="quarter" idx="5"/>
+          </p:nvPr>
+        </p:nvSpPr>
+        <p:spPr/>
+        <p:txBody>
+          <a:bodyPr/>
+          <a:lstStyle/>
+          <a:p>
+            <a:pPr marL="0" marR="0" lvl="0" indent="0" algn="r" defTabSz="914400" rtl="0" eaLnBrk="1" fontAlgn="auto" latinLnBrk="0" hangingPunct="1">
+              <a:lnSpc>
+                <a:spcPct val="100000"/>
+              </a:lnSpc>
+              <a:spcBef>
+                <a:spcPts val="0"/>
+              </a:spcBef>
+              <a:spcAft>
+                <a:spcPts val="0"/>
+              </a:spcAft>
+              <a:buClrTx/>
+              <a:buSzTx/>
+              <a:buFontTx/>
+              <a:buNone/>
+              <a:tabLst/>
+              <a:defRPr/>
+            </a:pPr>
+            <a:fld id="{F14E7EBF-8FEE-4079-889B-EEE134D3083A}" type="slidenum">
+              <a:rPr kumimoji="0" lang="en-US" sz="1200" b="0" i="0" u="none" strike="noStrike" kern="1200" cap="none" spc="0" normalizeH="0" baseline="0" noProof="0" smtClean="0">
+                <a:ln>
+                  <a:noFill/>
+                </a:ln>
+                <a:solidFill>
+                  <a:prstClr val="black"/>
+                </a:solidFill>
+                <a:effectLst/>
+                <a:uLnTx/>
+                <a:uFillTx/>
+                <a:latin typeface="Calibri" panose="020F0502020204030204"/>
+                <a:ea typeface="+mn-ea"/>
+                <a:cs typeface="+mn-cs"/>
+              </a:rPr>
+              <a:pPr marL="0" marR="0" lvl="0" indent="0" algn="r" defTabSz="914400" rtl="0" eaLnBrk="1" fontAlgn="auto" latinLnBrk="0" hangingPunct="1">
+                <a:lnSpc>
+                  <a:spcPct val="100000"/>
+                </a:lnSpc>
+                <a:spcBef>
+                  <a:spcPts val="0"/>
+                </a:spcBef>
+                <a:spcAft>
+                  <a:spcPts val="0"/>
+                </a:spcAft>
+                <a:buClrTx/>
+                <a:buSzTx/>
+                <a:buFontTx/>
+                <a:buNone/>
+                <a:tabLst/>
+                <a:defRPr/>
+              </a:pPr>
+              <a:t>3</a:t>
+            </a:fld>
+            <a:endParaRPr kumimoji="0" lang="en-US" sz="1200" b="0" i="0" u="none" strike="noStrike" kern="1200" cap="none" spc="0" normalizeH="0" baseline="0" noProof="0">
+              <a:ln>
+                <a:noFill/>
+              </a:ln>
+              <a:solidFill>
+                <a:prstClr val="black"/>
+              </a:solidFill>
+              <a:effectLst/>
+              <a:uLnTx/>
+              <a:uFillTx/>
+              <a:latin typeface="Calibri" panose="020F0502020204030204"/>
+              <a:ea typeface="+mn-ea"/>
+              <a:cs typeface="+mn-cs"/>
+            </a:endParaRPr>
+          </a:p>
+        </p:txBody>
+      </p:sp>
+    </p:spTree>
+    <p:extLst>
+      <p:ext uri="{BB962C8B-B14F-4D97-AF65-F5344CB8AC3E}">
+        <p14:creationId xmlns:p14="http://schemas.microsoft.com/office/powerpoint/2010/main" val="458497798"/>
+      </p:ext>
+    </p:extLst>
+  </p:cSld>
+  <p:clrMapOvr>
+    <a:masterClrMapping/>
+  </p:clrMapOvr>
+</p:notes>
+</file>
+
+<file path=ppt/notesSlides/notesSlide2.xml><?xml version="1.0" encoding="utf-8"?>
+<p:notes xmlns:a="http://schemas.openxmlformats.org/drawingml/2006/main" xmlns:r="http://schemas.openxmlformats.org/officeDocument/2006/relationships" xmlns:p="http://schemas.openxmlformats.org/presentationml/2006/main">
+  <p:cSld>
+    <p:spTree>
+      <p:nvGrpSpPr>
+        <p:cNvPr id="1" name=""/>
+        <p:cNvGrpSpPr/>
+        <p:nvPr/>
+      </p:nvGrpSpPr>
+      <p:grpSpPr>
+        <a:xfrm>
+          <a:off x="0" y="0"/>
+          <a:ext cx="0" cy="0"/>
+          <a:chOff x="0" y="0"/>
+          <a:chExt cx="0" cy="0"/>
+        </a:xfrm>
+      </p:grpSpPr>
+      <p:sp>
+        <p:nvSpPr>
+          <p:cNvPr id="2" name="Slide Image Placeholder 1"/>
+          <p:cNvSpPr>
+            <a:spLocks noGrp="1" noRot="1" noChangeAspect="1"/>
+          </p:cNvSpPr>
+          <p:nvPr>
+            <p:ph type="sldImg"/>
+          </p:nvPr>
+        </p:nvSpPr>
+        <p:spPr/>
+      </p:sp>
+      <p:sp>
+        <p:nvSpPr>
+          <p:cNvPr id="3" name="Notes Placeholder 2"/>
+          <p:cNvSpPr>
+            <a:spLocks noGrp="1"/>
+          </p:cNvSpPr>
+          <p:nvPr>
+            <p:ph type="body" idx="1"/>
+          </p:nvPr>
+        </p:nvSpPr>
+        <p:spPr/>
+        <p:txBody>
+          <a:bodyPr/>
+          <a:lstStyle/>
+          <a:p>
             <a:endParaRPr lang="en-US" dirty="0"/>
           </a:p>
         </p:txBody>
@@ -3835,7 +3998,7 @@
           <a:p>
             <a:fld id="{E74353ED-ACB2-44BF-A903-985B0AF962B7}" type="datetime1">
               <a:rPr lang="en-US" smtClean="0"/>
-              <a:t>4/2/2022</a:t>
+              <a:t>4/17/2022</a:t>
             </a:fld>
             <a:endParaRPr lang="en-US" dirty="0"/>
           </a:p>
@@ -3859,7 +4022,7 @@
             <a:fld id="{B4008EB6-D09E-4580-8CD6-DDB14511944F}" type="slidenum">
               <a:rPr lang="en-US" smtClean="0"/>
               <a:pPr/>
-              <a:t>2</a:t>
+              <a:t>4</a:t>
             </a:fld>
             <a:endParaRPr lang="en-US" dirty="0"/>
           </a:p>
@@ -6411,6 +6574,204 @@
 </file>
 
 <file path=ppt/slideLayouts/slideLayout16.xml><?xml version="1.0" encoding="utf-8"?>
+<p:sldLayout xmlns:a="http://schemas.openxmlformats.org/drawingml/2006/main" xmlns:r="http://schemas.openxmlformats.org/officeDocument/2006/relationships" xmlns:p="http://schemas.openxmlformats.org/presentationml/2006/main" type="obj">
+  <p:cSld name="1_Title and Content">
+    <p:spTree>
+      <p:nvGrpSpPr>
+        <p:cNvPr id="1" name=""/>
+        <p:cNvGrpSpPr/>
+        <p:nvPr/>
+      </p:nvGrpSpPr>
+      <p:grpSpPr>
+        <a:xfrm>
+          <a:off x="0" y="0"/>
+          <a:ext cx="0" cy="0"/>
+          <a:chOff x="0" y="0"/>
+          <a:chExt cx="0" cy="0"/>
+        </a:xfrm>
+      </p:grpSpPr>
+      <p:sp>
+        <p:nvSpPr>
+          <p:cNvPr id="2" name="Title 1">
+            <a:extLst>
+              <a:ext uri="{FF2B5EF4-FFF2-40B4-BE49-F238E27FC236}">
+                <a16:creationId xmlns:a16="http://schemas.microsoft.com/office/drawing/2014/main" id="{CB6399F2-9FD3-8B4E-8048-995480BDB88F}"/>
+              </a:ext>
+            </a:extLst>
+          </p:cNvPr>
+          <p:cNvSpPr>
+            <a:spLocks noGrp="1"/>
+          </p:cNvSpPr>
+          <p:nvPr>
+            <p:ph type="title"/>
+          </p:nvPr>
+        </p:nvSpPr>
+        <p:spPr/>
+        <p:txBody>
+          <a:bodyPr/>
+          <a:lstStyle/>
+          <a:p>
+            <a:r>
+              <a:rPr lang="en-US"/>
+              <a:t>Click to edit Master title style</a:t>
+            </a:r>
+          </a:p>
+        </p:txBody>
+      </p:sp>
+      <p:sp>
+        <p:nvSpPr>
+          <p:cNvPr id="3" name="Content Placeholder 2">
+            <a:extLst>
+              <a:ext uri="{FF2B5EF4-FFF2-40B4-BE49-F238E27FC236}">
+                <a16:creationId xmlns:a16="http://schemas.microsoft.com/office/drawing/2014/main" id="{AAB54250-677E-6B4A-9CDF-D7632551AA79}"/>
+              </a:ext>
+            </a:extLst>
+          </p:cNvPr>
+          <p:cNvSpPr>
+            <a:spLocks noGrp="1"/>
+          </p:cNvSpPr>
+          <p:nvPr>
+            <p:ph idx="1"/>
+          </p:nvPr>
+        </p:nvSpPr>
+        <p:spPr/>
+        <p:txBody>
+          <a:bodyPr/>
+          <a:lstStyle/>
+          <a:p>
+            <a:pPr lvl="0"/>
+            <a:r>
+              <a:rPr lang="en-US"/>
+              <a:t>Click to edit Master text styles</a:t>
+            </a:r>
+          </a:p>
+          <a:p>
+            <a:pPr lvl="1"/>
+            <a:r>
+              <a:rPr lang="en-US"/>
+              <a:t>Second level</a:t>
+            </a:r>
+          </a:p>
+          <a:p>
+            <a:pPr lvl="2"/>
+            <a:r>
+              <a:rPr lang="en-US"/>
+              <a:t>Third level</a:t>
+            </a:r>
+          </a:p>
+          <a:p>
+            <a:pPr lvl="3"/>
+            <a:r>
+              <a:rPr lang="en-US"/>
+              <a:t>Fourth level</a:t>
+            </a:r>
+          </a:p>
+          <a:p>
+            <a:pPr lvl="4"/>
+            <a:r>
+              <a:rPr lang="en-US"/>
+              <a:t>Fifth level</a:t>
+            </a:r>
+          </a:p>
+        </p:txBody>
+      </p:sp>
+      <p:sp>
+        <p:nvSpPr>
+          <p:cNvPr id="4" name="Date Placeholder 3">
+            <a:extLst>
+              <a:ext uri="{FF2B5EF4-FFF2-40B4-BE49-F238E27FC236}">
+                <a16:creationId xmlns:a16="http://schemas.microsoft.com/office/drawing/2014/main" id="{C99FCBBF-D6D0-BC4D-AB0A-B11358ED6DBC}"/>
+              </a:ext>
+            </a:extLst>
+          </p:cNvPr>
+          <p:cNvSpPr>
+            <a:spLocks noGrp="1"/>
+          </p:cNvSpPr>
+          <p:nvPr>
+            <p:ph type="dt" sz="half" idx="10"/>
+          </p:nvPr>
+        </p:nvSpPr>
+        <p:spPr/>
+        <p:txBody>
+          <a:bodyPr/>
+          <a:lstStyle/>
+          <a:p>
+            <a:fld id="{0A627400-D089-7447-864B-77479EBD4214}" type="datetimeFigureOut">
+              <a:rPr lang="en-US" smtClean="0"/>
+              <a:t>4/17/2022</a:t>
+            </a:fld>
+            <a:endParaRPr lang="en-US"/>
+          </a:p>
+        </p:txBody>
+      </p:sp>
+      <p:sp>
+        <p:nvSpPr>
+          <p:cNvPr id="5" name="Footer Placeholder 4">
+            <a:extLst>
+              <a:ext uri="{FF2B5EF4-FFF2-40B4-BE49-F238E27FC236}">
+                <a16:creationId xmlns:a16="http://schemas.microsoft.com/office/drawing/2014/main" id="{DE3FDE89-536E-3147-B351-C6AFED60EC04}"/>
+              </a:ext>
+            </a:extLst>
+          </p:cNvPr>
+          <p:cNvSpPr>
+            <a:spLocks noGrp="1"/>
+          </p:cNvSpPr>
+          <p:nvPr>
+            <p:ph type="ftr" sz="quarter" idx="11"/>
+          </p:nvPr>
+        </p:nvSpPr>
+        <p:spPr/>
+        <p:txBody>
+          <a:bodyPr/>
+          <a:lstStyle/>
+          <a:p>
+            <a:endParaRPr lang="en-US"/>
+          </a:p>
+        </p:txBody>
+      </p:sp>
+      <p:sp>
+        <p:nvSpPr>
+          <p:cNvPr id="6" name="Slide Number Placeholder 5">
+            <a:extLst>
+              <a:ext uri="{FF2B5EF4-FFF2-40B4-BE49-F238E27FC236}">
+                <a16:creationId xmlns:a16="http://schemas.microsoft.com/office/drawing/2014/main" id="{6D5BF063-6C5B-EA48-8839-3A445E637FA8}"/>
+              </a:ext>
+            </a:extLst>
+          </p:cNvPr>
+          <p:cNvSpPr>
+            <a:spLocks noGrp="1"/>
+          </p:cNvSpPr>
+          <p:nvPr>
+            <p:ph type="sldNum" sz="quarter" idx="12"/>
+          </p:nvPr>
+        </p:nvSpPr>
+        <p:spPr/>
+        <p:txBody>
+          <a:bodyPr/>
+          <a:lstStyle/>
+          <a:p>
+            <a:fld id="{CDACE531-2FE7-1449-9EEA-A972806695F4}" type="slidenum">
+              <a:rPr lang="en-US" smtClean="0"/>
+              <a:t>‹#›</a:t>
+            </a:fld>
+            <a:endParaRPr lang="en-US"/>
+          </a:p>
+        </p:txBody>
+      </p:sp>
+    </p:spTree>
+    <p:extLst>
+      <p:ext uri="{BB962C8B-B14F-4D97-AF65-F5344CB8AC3E}">
+        <p14:creationId xmlns:p14="http://schemas.microsoft.com/office/powerpoint/2010/main" val="2102833860"/>
+      </p:ext>
+    </p:extLst>
+  </p:cSld>
+  <p:clrMapOvr>
+    <a:masterClrMapping/>
+  </p:clrMapOvr>
+</p:sldLayout>
+</file>
+
+<file path=ppt/slideLayouts/slideLayout17.xml><?xml version="1.0" encoding="utf-8"?>
 <p:sldLayout xmlns:a="http://schemas.openxmlformats.org/drawingml/2006/main" xmlns:r="http://schemas.openxmlformats.org/officeDocument/2006/relationships" xmlns:p="http://schemas.openxmlformats.org/presentationml/2006/main" type="title" preserve="1">
   <p:cSld name="Title Slide">
     <p:spTree>
@@ -6557,7 +6918,7 @@
           <a:p>
             <a:fld id="{0A627400-D089-7447-864B-77479EBD4214}" type="datetimeFigureOut">
               <a:rPr lang="en-US" smtClean="0"/>
-              <a:t>4/2/2022</a:t>
+              <a:t>4/17/2022</a:t>
             </a:fld>
             <a:endParaRPr lang="en-US"/>
           </a:p>
@@ -6630,7 +6991,7 @@
 </p:sldLayout>
 </file>
 
-<file path=ppt/slideLayouts/slideLayout17.xml><?xml version="1.0" encoding="utf-8"?>
+<file path=ppt/slideLayouts/slideLayout18.xml><?xml version="1.0" encoding="utf-8"?>
 <p:sldLayout xmlns:a="http://schemas.openxmlformats.org/drawingml/2006/main" xmlns:r="http://schemas.openxmlformats.org/officeDocument/2006/relationships" xmlns:p="http://schemas.openxmlformats.org/presentationml/2006/main" type="obj" preserve="1">
   <p:cSld name="Title and Content">
     <p:spTree>
@@ -6755,7 +7116,7 @@
           <a:p>
             <a:fld id="{0A627400-D089-7447-864B-77479EBD4214}" type="datetimeFigureOut">
               <a:rPr lang="en-US" smtClean="0"/>
-              <a:t>4/2/2022</a:t>
+              <a:t>4/17/2022</a:t>
             </a:fld>
             <a:endParaRPr lang="en-US"/>
           </a:p>
@@ -6828,7 +7189,7 @@
 </p:sldLayout>
 </file>
 
-<file path=ppt/slideLayouts/slideLayout18.xml><?xml version="1.0" encoding="utf-8"?>
+<file path=ppt/slideLayouts/slideLayout19.xml><?xml version="1.0" encoding="utf-8"?>
 <p:sldLayout xmlns:a="http://schemas.openxmlformats.org/drawingml/2006/main" xmlns:r="http://schemas.openxmlformats.org/officeDocument/2006/relationships" xmlns:p="http://schemas.openxmlformats.org/presentationml/2006/main" type="secHead" preserve="1">
   <p:cSld name="Section Header">
     <p:spTree>
@@ -7030,7 +7391,7 @@
           <a:p>
             <a:fld id="{0A627400-D089-7447-864B-77479EBD4214}" type="datetimeFigureOut">
               <a:rPr lang="en-US" smtClean="0"/>
-              <a:t>4/2/2022</a:t>
+              <a:t>4/17/2022</a:t>
             </a:fld>
             <a:endParaRPr lang="en-US"/>
           </a:p>
@@ -7094,271 +7455,6 @@
     <p:extLst>
       <p:ext uri="{BB962C8B-B14F-4D97-AF65-F5344CB8AC3E}">
         <p14:creationId xmlns:p14="http://schemas.microsoft.com/office/powerpoint/2010/main" val="4114149147"/>
-      </p:ext>
-    </p:extLst>
-  </p:cSld>
-  <p:clrMapOvr>
-    <a:masterClrMapping/>
-  </p:clrMapOvr>
-</p:sldLayout>
-</file>
-
-<file path=ppt/slideLayouts/slideLayout19.xml><?xml version="1.0" encoding="utf-8"?>
-<p:sldLayout xmlns:a="http://schemas.openxmlformats.org/drawingml/2006/main" xmlns:r="http://schemas.openxmlformats.org/officeDocument/2006/relationships" xmlns:p="http://schemas.openxmlformats.org/presentationml/2006/main" type="twoObj" preserve="1">
-  <p:cSld name="Two Content">
-    <p:spTree>
-      <p:nvGrpSpPr>
-        <p:cNvPr id="1" name=""/>
-        <p:cNvGrpSpPr/>
-        <p:nvPr/>
-      </p:nvGrpSpPr>
-      <p:grpSpPr>
-        <a:xfrm>
-          <a:off x="0" y="0"/>
-          <a:ext cx="0" cy="0"/>
-          <a:chOff x="0" y="0"/>
-          <a:chExt cx="0" cy="0"/>
-        </a:xfrm>
-      </p:grpSpPr>
-      <p:sp>
-        <p:nvSpPr>
-          <p:cNvPr id="2" name="Title 1">
-            <a:extLst>
-              <a:ext uri="{FF2B5EF4-FFF2-40B4-BE49-F238E27FC236}">
-                <a16:creationId xmlns:a16="http://schemas.microsoft.com/office/drawing/2014/main" id="{15860501-FEE8-4A43-A887-C778D57CCB0A}"/>
-              </a:ext>
-            </a:extLst>
-          </p:cNvPr>
-          <p:cNvSpPr>
-            <a:spLocks noGrp="1"/>
-          </p:cNvSpPr>
-          <p:nvPr>
-            <p:ph type="title"/>
-          </p:nvPr>
-        </p:nvSpPr>
-        <p:spPr/>
-        <p:txBody>
-          <a:bodyPr/>
-          <a:lstStyle/>
-          <a:p>
-            <a:r>
-              <a:rPr lang="en-US"/>
-              <a:t>Click to edit Master title style</a:t>
-            </a:r>
-          </a:p>
-        </p:txBody>
-      </p:sp>
-      <p:sp>
-        <p:nvSpPr>
-          <p:cNvPr id="3" name="Content Placeholder 2">
-            <a:extLst>
-              <a:ext uri="{FF2B5EF4-FFF2-40B4-BE49-F238E27FC236}">
-                <a16:creationId xmlns:a16="http://schemas.microsoft.com/office/drawing/2014/main" id="{4DDE4D5F-58EF-5047-BAEF-694F619DB35D}"/>
-              </a:ext>
-            </a:extLst>
-          </p:cNvPr>
-          <p:cNvSpPr>
-            <a:spLocks noGrp="1"/>
-          </p:cNvSpPr>
-          <p:nvPr>
-            <p:ph sz="half" idx="1"/>
-          </p:nvPr>
-        </p:nvSpPr>
-        <p:spPr>
-          <a:xfrm>
-            <a:off x="838200" y="1825625"/>
-            <a:ext cx="5181600" cy="4351339"/>
-          </a:xfrm>
-        </p:spPr>
-        <p:txBody>
-          <a:bodyPr/>
-          <a:lstStyle/>
-          <a:p>
-            <a:pPr lvl="0"/>
-            <a:r>
-              <a:rPr lang="en-US"/>
-              <a:t>Click to edit Master text styles</a:t>
-            </a:r>
-          </a:p>
-          <a:p>
-            <a:pPr lvl="1"/>
-            <a:r>
-              <a:rPr lang="en-US"/>
-              <a:t>Second level</a:t>
-            </a:r>
-          </a:p>
-          <a:p>
-            <a:pPr lvl="2"/>
-            <a:r>
-              <a:rPr lang="en-US"/>
-              <a:t>Third level</a:t>
-            </a:r>
-          </a:p>
-          <a:p>
-            <a:pPr lvl="3"/>
-            <a:r>
-              <a:rPr lang="en-US"/>
-              <a:t>Fourth level</a:t>
-            </a:r>
-          </a:p>
-          <a:p>
-            <a:pPr lvl="4"/>
-            <a:r>
-              <a:rPr lang="en-US"/>
-              <a:t>Fifth level</a:t>
-            </a:r>
-          </a:p>
-        </p:txBody>
-      </p:sp>
-      <p:sp>
-        <p:nvSpPr>
-          <p:cNvPr id="4" name="Content Placeholder 3">
-            <a:extLst>
-              <a:ext uri="{FF2B5EF4-FFF2-40B4-BE49-F238E27FC236}">
-                <a16:creationId xmlns:a16="http://schemas.microsoft.com/office/drawing/2014/main" id="{0BB60468-267F-1F45-AAA2-30AF13763E59}"/>
-              </a:ext>
-            </a:extLst>
-          </p:cNvPr>
-          <p:cNvSpPr>
-            <a:spLocks noGrp="1"/>
-          </p:cNvSpPr>
-          <p:nvPr>
-            <p:ph sz="half" idx="2"/>
-          </p:nvPr>
-        </p:nvSpPr>
-        <p:spPr>
-          <a:xfrm>
-            <a:off x="6172200" y="1825625"/>
-            <a:ext cx="5181600" cy="4351339"/>
-          </a:xfrm>
-        </p:spPr>
-        <p:txBody>
-          <a:bodyPr/>
-          <a:lstStyle/>
-          <a:p>
-            <a:pPr lvl="0"/>
-            <a:r>
-              <a:rPr lang="en-US"/>
-              <a:t>Click to edit Master text styles</a:t>
-            </a:r>
-          </a:p>
-          <a:p>
-            <a:pPr lvl="1"/>
-            <a:r>
-              <a:rPr lang="en-US"/>
-              <a:t>Second level</a:t>
-            </a:r>
-          </a:p>
-          <a:p>
-            <a:pPr lvl="2"/>
-            <a:r>
-              <a:rPr lang="en-US"/>
-              <a:t>Third level</a:t>
-            </a:r>
-          </a:p>
-          <a:p>
-            <a:pPr lvl="3"/>
-            <a:r>
-              <a:rPr lang="en-US"/>
-              <a:t>Fourth level</a:t>
-            </a:r>
-          </a:p>
-          <a:p>
-            <a:pPr lvl="4"/>
-            <a:r>
-              <a:rPr lang="en-US"/>
-              <a:t>Fifth level</a:t>
-            </a:r>
-          </a:p>
-        </p:txBody>
-      </p:sp>
-      <p:sp>
-        <p:nvSpPr>
-          <p:cNvPr id="5" name="Date Placeholder 4">
-            <a:extLst>
-              <a:ext uri="{FF2B5EF4-FFF2-40B4-BE49-F238E27FC236}">
-                <a16:creationId xmlns:a16="http://schemas.microsoft.com/office/drawing/2014/main" id="{31138E6A-F55F-9B41-BB5F-C47771404DD5}"/>
-              </a:ext>
-            </a:extLst>
-          </p:cNvPr>
-          <p:cNvSpPr>
-            <a:spLocks noGrp="1"/>
-          </p:cNvSpPr>
-          <p:nvPr>
-            <p:ph type="dt" sz="half" idx="10"/>
-          </p:nvPr>
-        </p:nvSpPr>
-        <p:spPr/>
-        <p:txBody>
-          <a:bodyPr/>
-          <a:lstStyle/>
-          <a:p>
-            <a:fld id="{0A627400-D089-7447-864B-77479EBD4214}" type="datetimeFigureOut">
-              <a:rPr lang="en-US" smtClean="0"/>
-              <a:t>4/2/2022</a:t>
-            </a:fld>
-            <a:endParaRPr lang="en-US"/>
-          </a:p>
-        </p:txBody>
-      </p:sp>
-      <p:sp>
-        <p:nvSpPr>
-          <p:cNvPr id="6" name="Footer Placeholder 5">
-            <a:extLst>
-              <a:ext uri="{FF2B5EF4-FFF2-40B4-BE49-F238E27FC236}">
-                <a16:creationId xmlns:a16="http://schemas.microsoft.com/office/drawing/2014/main" id="{7392FE18-73E8-D64A-AB50-97C717CC840D}"/>
-              </a:ext>
-            </a:extLst>
-          </p:cNvPr>
-          <p:cNvSpPr>
-            <a:spLocks noGrp="1"/>
-          </p:cNvSpPr>
-          <p:nvPr>
-            <p:ph type="ftr" sz="quarter" idx="11"/>
-          </p:nvPr>
-        </p:nvSpPr>
-        <p:spPr/>
-        <p:txBody>
-          <a:bodyPr/>
-          <a:lstStyle/>
-          <a:p>
-            <a:endParaRPr lang="en-US"/>
-          </a:p>
-        </p:txBody>
-      </p:sp>
-      <p:sp>
-        <p:nvSpPr>
-          <p:cNvPr id="7" name="Slide Number Placeholder 6">
-            <a:extLst>
-              <a:ext uri="{FF2B5EF4-FFF2-40B4-BE49-F238E27FC236}">
-                <a16:creationId xmlns:a16="http://schemas.microsoft.com/office/drawing/2014/main" id="{331D3D61-E3AB-0747-BB3D-CFD3451A5BAB}"/>
-              </a:ext>
-            </a:extLst>
-          </p:cNvPr>
-          <p:cNvSpPr>
-            <a:spLocks noGrp="1"/>
-          </p:cNvSpPr>
-          <p:nvPr>
-            <p:ph type="sldNum" sz="quarter" idx="12"/>
-          </p:nvPr>
-        </p:nvSpPr>
-        <p:spPr/>
-        <p:txBody>
-          <a:bodyPr/>
-          <a:lstStyle/>
-          <a:p>
-            <a:fld id="{CDACE531-2FE7-1449-9EEA-A972806695F4}" type="slidenum">
-              <a:rPr lang="en-US" smtClean="0"/>
-              <a:t>‹#›</a:t>
-            </a:fld>
-            <a:endParaRPr lang="en-US"/>
-          </a:p>
-        </p:txBody>
-      </p:sp>
-    </p:spTree>
-    <p:extLst>
-      <p:ext uri="{BB962C8B-B14F-4D97-AF65-F5344CB8AC3E}">
-        <p14:creationId xmlns:p14="http://schemas.microsoft.com/office/powerpoint/2010/main" val="1570648668"/>
       </p:ext>
     </p:extLst>
   </p:cSld>
@@ -7569,6 +7665,271 @@
 </file>
 
 <file path=ppt/slideLayouts/slideLayout20.xml><?xml version="1.0" encoding="utf-8"?>
+<p:sldLayout xmlns:a="http://schemas.openxmlformats.org/drawingml/2006/main" xmlns:r="http://schemas.openxmlformats.org/officeDocument/2006/relationships" xmlns:p="http://schemas.openxmlformats.org/presentationml/2006/main" type="twoObj" preserve="1">
+  <p:cSld name="Two Content">
+    <p:spTree>
+      <p:nvGrpSpPr>
+        <p:cNvPr id="1" name=""/>
+        <p:cNvGrpSpPr/>
+        <p:nvPr/>
+      </p:nvGrpSpPr>
+      <p:grpSpPr>
+        <a:xfrm>
+          <a:off x="0" y="0"/>
+          <a:ext cx="0" cy="0"/>
+          <a:chOff x="0" y="0"/>
+          <a:chExt cx="0" cy="0"/>
+        </a:xfrm>
+      </p:grpSpPr>
+      <p:sp>
+        <p:nvSpPr>
+          <p:cNvPr id="2" name="Title 1">
+            <a:extLst>
+              <a:ext uri="{FF2B5EF4-FFF2-40B4-BE49-F238E27FC236}">
+                <a16:creationId xmlns:a16="http://schemas.microsoft.com/office/drawing/2014/main" id="{15860501-FEE8-4A43-A887-C778D57CCB0A}"/>
+              </a:ext>
+            </a:extLst>
+          </p:cNvPr>
+          <p:cNvSpPr>
+            <a:spLocks noGrp="1"/>
+          </p:cNvSpPr>
+          <p:nvPr>
+            <p:ph type="title"/>
+          </p:nvPr>
+        </p:nvSpPr>
+        <p:spPr/>
+        <p:txBody>
+          <a:bodyPr/>
+          <a:lstStyle/>
+          <a:p>
+            <a:r>
+              <a:rPr lang="en-US"/>
+              <a:t>Click to edit Master title style</a:t>
+            </a:r>
+          </a:p>
+        </p:txBody>
+      </p:sp>
+      <p:sp>
+        <p:nvSpPr>
+          <p:cNvPr id="3" name="Content Placeholder 2">
+            <a:extLst>
+              <a:ext uri="{FF2B5EF4-FFF2-40B4-BE49-F238E27FC236}">
+                <a16:creationId xmlns:a16="http://schemas.microsoft.com/office/drawing/2014/main" id="{4DDE4D5F-58EF-5047-BAEF-694F619DB35D}"/>
+              </a:ext>
+            </a:extLst>
+          </p:cNvPr>
+          <p:cNvSpPr>
+            <a:spLocks noGrp="1"/>
+          </p:cNvSpPr>
+          <p:nvPr>
+            <p:ph sz="half" idx="1"/>
+          </p:nvPr>
+        </p:nvSpPr>
+        <p:spPr>
+          <a:xfrm>
+            <a:off x="838200" y="1825625"/>
+            <a:ext cx="5181600" cy="4351339"/>
+          </a:xfrm>
+        </p:spPr>
+        <p:txBody>
+          <a:bodyPr/>
+          <a:lstStyle/>
+          <a:p>
+            <a:pPr lvl="0"/>
+            <a:r>
+              <a:rPr lang="en-US"/>
+              <a:t>Click to edit Master text styles</a:t>
+            </a:r>
+          </a:p>
+          <a:p>
+            <a:pPr lvl="1"/>
+            <a:r>
+              <a:rPr lang="en-US"/>
+              <a:t>Second level</a:t>
+            </a:r>
+          </a:p>
+          <a:p>
+            <a:pPr lvl="2"/>
+            <a:r>
+              <a:rPr lang="en-US"/>
+              <a:t>Third level</a:t>
+            </a:r>
+          </a:p>
+          <a:p>
+            <a:pPr lvl="3"/>
+            <a:r>
+              <a:rPr lang="en-US"/>
+              <a:t>Fourth level</a:t>
+            </a:r>
+          </a:p>
+          <a:p>
+            <a:pPr lvl="4"/>
+            <a:r>
+              <a:rPr lang="en-US"/>
+              <a:t>Fifth level</a:t>
+            </a:r>
+          </a:p>
+        </p:txBody>
+      </p:sp>
+      <p:sp>
+        <p:nvSpPr>
+          <p:cNvPr id="4" name="Content Placeholder 3">
+            <a:extLst>
+              <a:ext uri="{FF2B5EF4-FFF2-40B4-BE49-F238E27FC236}">
+                <a16:creationId xmlns:a16="http://schemas.microsoft.com/office/drawing/2014/main" id="{0BB60468-267F-1F45-AAA2-30AF13763E59}"/>
+              </a:ext>
+            </a:extLst>
+          </p:cNvPr>
+          <p:cNvSpPr>
+            <a:spLocks noGrp="1"/>
+          </p:cNvSpPr>
+          <p:nvPr>
+            <p:ph sz="half" idx="2"/>
+          </p:nvPr>
+        </p:nvSpPr>
+        <p:spPr>
+          <a:xfrm>
+            <a:off x="6172200" y="1825625"/>
+            <a:ext cx="5181600" cy="4351339"/>
+          </a:xfrm>
+        </p:spPr>
+        <p:txBody>
+          <a:bodyPr/>
+          <a:lstStyle/>
+          <a:p>
+            <a:pPr lvl="0"/>
+            <a:r>
+              <a:rPr lang="en-US"/>
+              <a:t>Click to edit Master text styles</a:t>
+            </a:r>
+          </a:p>
+          <a:p>
+            <a:pPr lvl="1"/>
+            <a:r>
+              <a:rPr lang="en-US"/>
+              <a:t>Second level</a:t>
+            </a:r>
+          </a:p>
+          <a:p>
+            <a:pPr lvl="2"/>
+            <a:r>
+              <a:rPr lang="en-US"/>
+              <a:t>Third level</a:t>
+            </a:r>
+          </a:p>
+          <a:p>
+            <a:pPr lvl="3"/>
+            <a:r>
+              <a:rPr lang="en-US"/>
+              <a:t>Fourth level</a:t>
+            </a:r>
+          </a:p>
+          <a:p>
+            <a:pPr lvl="4"/>
+            <a:r>
+              <a:rPr lang="en-US"/>
+              <a:t>Fifth level</a:t>
+            </a:r>
+          </a:p>
+        </p:txBody>
+      </p:sp>
+      <p:sp>
+        <p:nvSpPr>
+          <p:cNvPr id="5" name="Date Placeholder 4">
+            <a:extLst>
+              <a:ext uri="{FF2B5EF4-FFF2-40B4-BE49-F238E27FC236}">
+                <a16:creationId xmlns:a16="http://schemas.microsoft.com/office/drawing/2014/main" id="{31138E6A-F55F-9B41-BB5F-C47771404DD5}"/>
+              </a:ext>
+            </a:extLst>
+          </p:cNvPr>
+          <p:cNvSpPr>
+            <a:spLocks noGrp="1"/>
+          </p:cNvSpPr>
+          <p:nvPr>
+            <p:ph type="dt" sz="half" idx="10"/>
+          </p:nvPr>
+        </p:nvSpPr>
+        <p:spPr/>
+        <p:txBody>
+          <a:bodyPr/>
+          <a:lstStyle/>
+          <a:p>
+            <a:fld id="{0A627400-D089-7447-864B-77479EBD4214}" type="datetimeFigureOut">
+              <a:rPr lang="en-US" smtClean="0"/>
+              <a:t>4/17/2022</a:t>
+            </a:fld>
+            <a:endParaRPr lang="en-US"/>
+          </a:p>
+        </p:txBody>
+      </p:sp>
+      <p:sp>
+        <p:nvSpPr>
+          <p:cNvPr id="6" name="Footer Placeholder 5">
+            <a:extLst>
+              <a:ext uri="{FF2B5EF4-FFF2-40B4-BE49-F238E27FC236}">
+                <a16:creationId xmlns:a16="http://schemas.microsoft.com/office/drawing/2014/main" id="{7392FE18-73E8-D64A-AB50-97C717CC840D}"/>
+              </a:ext>
+            </a:extLst>
+          </p:cNvPr>
+          <p:cNvSpPr>
+            <a:spLocks noGrp="1"/>
+          </p:cNvSpPr>
+          <p:nvPr>
+            <p:ph type="ftr" sz="quarter" idx="11"/>
+          </p:nvPr>
+        </p:nvSpPr>
+        <p:spPr/>
+        <p:txBody>
+          <a:bodyPr/>
+          <a:lstStyle/>
+          <a:p>
+            <a:endParaRPr lang="en-US"/>
+          </a:p>
+        </p:txBody>
+      </p:sp>
+      <p:sp>
+        <p:nvSpPr>
+          <p:cNvPr id="7" name="Slide Number Placeholder 6">
+            <a:extLst>
+              <a:ext uri="{FF2B5EF4-FFF2-40B4-BE49-F238E27FC236}">
+                <a16:creationId xmlns:a16="http://schemas.microsoft.com/office/drawing/2014/main" id="{331D3D61-E3AB-0747-BB3D-CFD3451A5BAB}"/>
+              </a:ext>
+            </a:extLst>
+          </p:cNvPr>
+          <p:cNvSpPr>
+            <a:spLocks noGrp="1"/>
+          </p:cNvSpPr>
+          <p:nvPr>
+            <p:ph type="sldNum" sz="quarter" idx="12"/>
+          </p:nvPr>
+        </p:nvSpPr>
+        <p:spPr/>
+        <p:txBody>
+          <a:bodyPr/>
+          <a:lstStyle/>
+          <a:p>
+            <a:fld id="{CDACE531-2FE7-1449-9EEA-A972806695F4}" type="slidenum">
+              <a:rPr lang="en-US" smtClean="0"/>
+              <a:t>‹#›</a:t>
+            </a:fld>
+            <a:endParaRPr lang="en-US"/>
+          </a:p>
+        </p:txBody>
+      </p:sp>
+    </p:spTree>
+    <p:extLst>
+      <p:ext uri="{BB962C8B-B14F-4D97-AF65-F5344CB8AC3E}">
+        <p14:creationId xmlns:p14="http://schemas.microsoft.com/office/powerpoint/2010/main" val="1570648668"/>
+      </p:ext>
+    </p:extLst>
+  </p:cSld>
+  <p:clrMapOvr>
+    <a:masterClrMapping/>
+  </p:clrMapOvr>
+</p:sldLayout>
+</file>
+
+<file path=ppt/slideLayouts/slideLayout21.xml><?xml version="1.0" encoding="utf-8"?>
 <p:sldLayout xmlns:a="http://schemas.openxmlformats.org/drawingml/2006/main" xmlns:r="http://schemas.openxmlformats.org/officeDocument/2006/relationships" xmlns:p="http://schemas.openxmlformats.org/presentationml/2006/main" type="twoTxTwoObj" preserve="1">
   <p:cSld name="Comparison">
     <p:spTree>
@@ -7907,7 +8268,7 @@
           <a:p>
             <a:fld id="{0A627400-D089-7447-864B-77479EBD4214}" type="datetimeFigureOut">
               <a:rPr lang="en-US" smtClean="0"/>
-              <a:t>4/2/2022</a:t>
+              <a:t>4/17/2022</a:t>
             </a:fld>
             <a:endParaRPr lang="en-US"/>
           </a:p>
@@ -7980,7 +8341,7 @@
 </p:sldLayout>
 </file>
 
-<file path=ppt/slideLayouts/slideLayout21.xml><?xml version="1.0" encoding="utf-8"?>
+<file path=ppt/slideLayouts/slideLayout22.xml><?xml version="1.0" encoding="utf-8"?>
 <p:sldLayout xmlns:a="http://schemas.openxmlformats.org/drawingml/2006/main" xmlns:r="http://schemas.openxmlformats.org/officeDocument/2006/relationships" xmlns:p="http://schemas.openxmlformats.org/presentationml/2006/main" type="obj" preserve="1">
   <p:cSld name="Code Sample">
     <p:spTree>
@@ -8113,7 +8474,7 @@
           <a:p>
             <a:fld id="{0A627400-D089-7447-864B-77479EBD4214}" type="datetimeFigureOut">
               <a:rPr lang="en-US" smtClean="0"/>
-              <a:t>4/2/2022</a:t>
+              <a:t>4/17/2022</a:t>
             </a:fld>
             <a:endParaRPr lang="en-US"/>
           </a:p>
@@ -8186,7 +8547,7 @@
 </p:sldLayout>
 </file>
 
-<file path=ppt/slideLayouts/slideLayout22.xml><?xml version="1.0" encoding="utf-8"?>
+<file path=ppt/slideLayouts/slideLayout23.xml><?xml version="1.0" encoding="utf-8"?>
 <p:sldLayout xmlns:a="http://schemas.openxmlformats.org/drawingml/2006/main" xmlns:r="http://schemas.openxmlformats.org/officeDocument/2006/relationships" xmlns:p="http://schemas.openxmlformats.org/presentationml/2006/main" preserve="1" userDrawn="1">
   <p:cSld name="Progress">
     <p:spTree>
@@ -8255,7 +8616,7 @@
             <a:fld id="{0A627400-D089-7447-864B-77479EBD4214}" type="datetimeFigureOut">
               <a:rPr lang="en-US" smtClean="0"/>
               <a:pPr/>
-              <a:t>4/2/2022</a:t>
+              <a:t>4/17/2022</a:t>
             </a:fld>
             <a:endParaRPr lang="en-US"/>
           </a:p>
@@ -8351,7 +8712,7 @@
 </p:sldLayout>
 </file>
 
-<file path=ppt/slideLayouts/slideLayout23.xml><?xml version="1.0" encoding="utf-8"?>
+<file path=ppt/slideLayouts/slideLayout24.xml><?xml version="1.0" encoding="utf-8"?>
 <p:sldLayout xmlns:a="http://schemas.openxmlformats.org/drawingml/2006/main" xmlns:r="http://schemas.openxmlformats.org/officeDocument/2006/relationships" xmlns:p="http://schemas.openxmlformats.org/presentationml/2006/main" type="titleOnly" preserve="1">
   <p:cSld name="Title Only">
     <p:spTree>
@@ -8419,7 +8780,7 @@
           <a:p>
             <a:fld id="{0A627400-D089-7447-864B-77479EBD4214}" type="datetimeFigureOut">
               <a:rPr lang="en-US" smtClean="0"/>
-              <a:t>4/2/2022</a:t>
+              <a:t>4/17/2022</a:t>
             </a:fld>
             <a:endParaRPr lang="en-US"/>
           </a:p>
@@ -8492,7 +8853,7 @@
 </p:sldLayout>
 </file>
 
-<file path=ppt/slideLayouts/slideLayout24.xml><?xml version="1.0" encoding="utf-8"?>
+<file path=ppt/slideLayouts/slideLayout25.xml><?xml version="1.0" encoding="utf-8"?>
 <p:sldLayout xmlns:a="http://schemas.openxmlformats.org/drawingml/2006/main" xmlns:r="http://schemas.openxmlformats.org/officeDocument/2006/relationships" xmlns:p="http://schemas.openxmlformats.org/presentationml/2006/main" type="blank" preserve="1">
   <p:cSld name="Blank">
     <p:spTree>
@@ -8532,7 +8893,7 @@
           <a:p>
             <a:fld id="{0A627400-D089-7447-864B-77479EBD4214}" type="datetimeFigureOut">
               <a:rPr lang="en-US" smtClean="0"/>
-              <a:t>4/2/2022</a:t>
+              <a:t>4/17/2022</a:t>
             </a:fld>
             <a:endParaRPr lang="en-US"/>
           </a:p>
@@ -8605,7 +8966,7 @@
 </p:sldLayout>
 </file>
 
-<file path=ppt/slideLayouts/slideLayout25.xml><?xml version="1.0" encoding="utf-8"?>
+<file path=ppt/slideLayouts/slideLayout26.xml><?xml version="1.0" encoding="utf-8"?>
 <p:sldLayout xmlns:a="http://schemas.openxmlformats.org/drawingml/2006/main" xmlns:r="http://schemas.openxmlformats.org/officeDocument/2006/relationships" xmlns:p="http://schemas.openxmlformats.org/presentationml/2006/main" type="objTx" preserve="1">
   <p:cSld name="Content with Caption">
     <p:spTree>
@@ -8843,7 +9204,7 @@
           <a:p>
             <a:fld id="{0A627400-D089-7447-864B-77479EBD4214}" type="datetimeFigureOut">
               <a:rPr lang="en-US" smtClean="0"/>
-              <a:t>4/2/2022</a:t>
+              <a:t>4/17/2022</a:t>
             </a:fld>
             <a:endParaRPr lang="en-US"/>
           </a:p>
@@ -8916,7 +9277,7 @@
 </p:sldLayout>
 </file>
 
-<file path=ppt/slideLayouts/slideLayout26.xml><?xml version="1.0" encoding="utf-8"?>
+<file path=ppt/slideLayouts/slideLayout27.xml><?xml version="1.0" encoding="utf-8"?>
 <p:sldLayout xmlns:a="http://schemas.openxmlformats.org/drawingml/2006/main" xmlns:r="http://schemas.openxmlformats.org/officeDocument/2006/relationships" xmlns:p="http://schemas.openxmlformats.org/presentationml/2006/main" type="picTx" preserve="1">
   <p:cSld name="Picture with Caption">
     <p:spTree>
@@ -9131,7 +9492,7 @@
           <a:p>
             <a:fld id="{0A627400-D089-7447-864B-77479EBD4214}" type="datetimeFigureOut">
               <a:rPr lang="en-US" smtClean="0"/>
-              <a:t>4/2/2022</a:t>
+              <a:t>4/17/2022</a:t>
             </a:fld>
             <a:endParaRPr lang="en-US"/>
           </a:p>
@@ -9204,7 +9565,7 @@
 </p:sldLayout>
 </file>
 
-<file path=ppt/slideLayouts/slideLayout27.xml><?xml version="1.0" encoding="utf-8"?>
+<file path=ppt/slideLayouts/slideLayout28.xml><?xml version="1.0" encoding="utf-8"?>
 <p:sldLayout xmlns:a="http://schemas.openxmlformats.org/drawingml/2006/main" xmlns:r="http://schemas.openxmlformats.org/officeDocument/2006/relationships" xmlns:p="http://schemas.openxmlformats.org/presentationml/2006/main" userDrawn="1">
   <p:cSld name="White Background">
     <p:spTree>
@@ -9337,7 +9698,7 @@
 </p:sldLayout>
 </file>
 
-<file path=ppt/slideLayouts/slideLayout28.xml><?xml version="1.0" encoding="utf-8"?>
+<file path=ppt/slideLayouts/slideLayout29.xml><?xml version="1.0" encoding="utf-8"?>
 <p:sldLayout xmlns:a="http://schemas.openxmlformats.org/drawingml/2006/main" xmlns:r="http://schemas.openxmlformats.org/officeDocument/2006/relationships" xmlns:p="http://schemas.openxmlformats.org/presentationml/2006/main" preserve="1" userDrawn="1">
   <p:cSld name="Blank Layout">
     <p:spTree>
@@ -10678,7 +11039,7 @@
           <p:nvPr userDrawn="1"/>
         </p:nvPicPr>
         <p:blipFill>
-          <a:blip r:embed="rId17"/>
+          <a:blip r:embed="rId18"/>
           <a:stretch>
             <a:fillRect/>
           </a:stretch>
@@ -10717,6 +11078,7 @@
     <p:sldLayoutId id="2147483676" r:id="rId13"/>
     <p:sldLayoutId id="2147483678" r:id="rId14"/>
     <p:sldLayoutId id="2147483679" r:id="rId15"/>
+    <p:sldLayoutId id="2147483809" r:id="rId16"/>
   </p:sldLayoutIdLst>
   <p:transition>
     <p:fade/>
@@ -11383,7 +11745,7 @@
             <a:fld id="{0A627400-D089-7447-864B-77479EBD4214}" type="datetimeFigureOut">
               <a:rPr lang="en-US" smtClean="0"/>
               <a:pPr/>
-              <a:t>4/2/2022</a:t>
+              <a:t>4/17/2022</a:t>
             </a:fld>
             <a:endParaRPr lang="en-US"/>
           </a:p>
@@ -12147,6 +12509,829 @@
 </file>
 
 <file path=ppt/slides/slide2.xml><?xml version="1.0" encoding="utf-8"?>
+<p:sld xmlns:a="http://schemas.openxmlformats.org/drawingml/2006/main" xmlns:r="http://schemas.openxmlformats.org/officeDocument/2006/relationships" xmlns:p="http://schemas.openxmlformats.org/presentationml/2006/main">
+  <p:cSld>
+    <p:spTree>
+      <p:nvGrpSpPr>
+        <p:cNvPr id="1" name=""/>
+        <p:cNvGrpSpPr/>
+        <p:nvPr/>
+      </p:nvGrpSpPr>
+      <p:grpSpPr>
+        <a:xfrm>
+          <a:off x="0" y="0"/>
+          <a:ext cx="0" cy="0"/>
+          <a:chOff x="0" y="0"/>
+          <a:chExt cx="0" cy="0"/>
+        </a:xfrm>
+      </p:grpSpPr>
+      <p:sp>
+        <p:nvSpPr>
+          <p:cNvPr id="3" name="Title 2">
+            <a:extLst>
+              <a:ext uri="{FF2B5EF4-FFF2-40B4-BE49-F238E27FC236}">
+                <a16:creationId xmlns:a16="http://schemas.microsoft.com/office/drawing/2014/main" id="{652E2BA4-9FC0-4828-A940-3704183398DF}"/>
+              </a:ext>
+            </a:extLst>
+          </p:cNvPr>
+          <p:cNvSpPr>
+            <a:spLocks noGrp="1"/>
+          </p:cNvSpPr>
+          <p:nvPr>
+            <p:ph type="title"/>
+          </p:nvPr>
+        </p:nvSpPr>
+        <p:spPr/>
+        <p:txBody>
+          <a:bodyPr/>
+          <a:lstStyle/>
+          <a:p>
+            <a:r>
+              <a:rPr lang="es-ES" sz="7200" dirty="0">
+                <a:solidFill>
+                  <a:schemeClr val="bg1"/>
+                </a:solidFill>
+              </a:rPr>
+              <a:t>Visual Studio </a:t>
+            </a:r>
+            <a:r>
+              <a:rPr lang="es-ES" sz="7200" dirty="0" err="1">
+                <a:solidFill>
+                  <a:schemeClr val="bg1"/>
+                </a:solidFill>
+              </a:rPr>
+              <a:t>Code</a:t>
+            </a:r>
+            <a:endParaRPr lang="en-US" sz="7200" dirty="0">
+              <a:solidFill>
+                <a:schemeClr val="bg1"/>
+              </a:solidFill>
+            </a:endParaRPr>
+          </a:p>
+        </p:txBody>
+      </p:sp>
+    </p:spTree>
+    <p:extLst>
+      <p:ext uri="{BB962C8B-B14F-4D97-AF65-F5344CB8AC3E}">
+        <p14:creationId xmlns:p14="http://schemas.microsoft.com/office/powerpoint/2010/main" val="970838278"/>
+      </p:ext>
+    </p:extLst>
+  </p:cSld>
+  <p:clrMapOvr>
+    <a:masterClrMapping/>
+  </p:clrMapOvr>
+  <p:transition spd="med"/>
+</p:sld>
+</file>
+
+<file path=ppt/slides/slide3.xml><?xml version="1.0" encoding="utf-8"?>
+<p:sld xmlns:a="http://schemas.openxmlformats.org/drawingml/2006/main" xmlns:r="http://schemas.openxmlformats.org/officeDocument/2006/relationships" xmlns:p="http://schemas.openxmlformats.org/presentationml/2006/main">
+  <p:cSld>
+    <p:spTree>
+      <p:nvGrpSpPr>
+        <p:cNvPr id="1" name=""/>
+        <p:cNvGrpSpPr/>
+        <p:nvPr/>
+      </p:nvGrpSpPr>
+      <p:grpSpPr>
+        <a:xfrm>
+          <a:off x="0" y="0"/>
+          <a:ext cx="0" cy="0"/>
+          <a:chOff x="0" y="0"/>
+          <a:chExt cx="0" cy="0"/>
+        </a:xfrm>
+      </p:grpSpPr>
+      <p:sp>
+        <p:nvSpPr>
+          <p:cNvPr id="11" name="TextBox 10">
+            <a:extLst>
+              <a:ext uri="{FF2B5EF4-FFF2-40B4-BE49-F238E27FC236}">
+                <a16:creationId xmlns:a16="http://schemas.microsoft.com/office/drawing/2014/main" id="{C0E7814F-772A-488B-9829-94D3C5B349DF}"/>
+              </a:ext>
+            </a:extLst>
+          </p:cNvPr>
+          <p:cNvSpPr txBox="1"/>
+          <p:nvPr/>
+        </p:nvSpPr>
+        <p:spPr>
+          <a:xfrm>
+            <a:off x="6060116" y="1926945"/>
+            <a:ext cx="6131884" cy="3170099"/>
+          </a:xfrm>
+          <a:prstGeom prst="rect">
+            <a:avLst/>
+          </a:prstGeom>
+          <a:noFill/>
+        </p:spPr>
+        <p:txBody>
+          <a:bodyPr wrap="square">
+            <a:spAutoFit/>
+          </a:bodyPr>
+          <a:lstStyle/>
+          <a:p>
+            <a:pPr marL="0" marR="0" lvl="0" indent="0" algn="l" defTabSz="914400" rtl="0" eaLnBrk="1" fontAlgn="auto" latinLnBrk="0" hangingPunct="1">
+              <a:lnSpc>
+                <a:spcPct val="100000"/>
+              </a:lnSpc>
+              <a:spcBef>
+                <a:spcPts val="0"/>
+              </a:spcBef>
+              <a:spcAft>
+                <a:spcPts val="0"/>
+              </a:spcAft>
+              <a:buClrTx/>
+              <a:buSzTx/>
+              <a:buFontTx/>
+              <a:buNone/>
+              <a:tabLst/>
+              <a:defRPr/>
+            </a:pPr>
+            <a:r>
+              <a:rPr lang="es-ES" sz="2000" dirty="0">
+                <a:latin typeface="Open Sans" panose="020B0606030504020204" pitchFamily="34" charset="0"/>
+                <a:ea typeface="Open Sans" panose="020B0606030504020204" pitchFamily="34" charset="0"/>
+                <a:cs typeface="Open Sans" panose="020B0606030504020204" pitchFamily="34" charset="0"/>
+              </a:rPr>
+              <a:t>La extensión Comet para </a:t>
+            </a:r>
+            <a:r>
+              <a:rPr lang="es-ES" sz="2000" b="1" dirty="0">
+                <a:latin typeface="Open Sans" panose="020B0606030504020204" pitchFamily="34" charset="0"/>
+                <a:ea typeface="Open Sans" panose="020B0606030504020204" pitchFamily="34" charset="0"/>
+                <a:cs typeface="Open Sans" panose="020B0606030504020204" pitchFamily="34" charset="0"/>
+              </a:rPr>
+              <a:t>Visual Studio </a:t>
+            </a:r>
+            <a:r>
+              <a:rPr lang="es-ES" sz="2000" b="1" dirty="0" err="1">
+                <a:latin typeface="Open Sans" panose="020B0606030504020204" pitchFamily="34" charset="0"/>
+                <a:ea typeface="Open Sans" panose="020B0606030504020204" pitchFamily="34" charset="0"/>
+                <a:cs typeface="Open Sans" panose="020B0606030504020204" pitchFamily="34" charset="0"/>
+              </a:rPr>
+              <a:t>Code</a:t>
+            </a:r>
+            <a:r>
+              <a:rPr lang="es-ES" sz="2000" dirty="0">
+                <a:latin typeface="Open Sans" panose="020B0606030504020204" pitchFamily="34" charset="0"/>
+                <a:ea typeface="Open Sans" panose="020B0606030504020204" pitchFamily="34" charset="0"/>
+                <a:cs typeface="Open Sans" panose="020B0606030504020204" pitchFamily="34" charset="0"/>
+              </a:rPr>
+              <a:t>, pensada para permitir depurar Apps Comet, también permite lanzar y depurar Apps .NET MAUI.</a:t>
+            </a:r>
+          </a:p>
+          <a:p>
+            <a:pPr marL="0" marR="0" lvl="0" indent="0" algn="l" defTabSz="914400" rtl="0" eaLnBrk="1" fontAlgn="auto" latinLnBrk="0" hangingPunct="1">
+              <a:lnSpc>
+                <a:spcPct val="100000"/>
+              </a:lnSpc>
+              <a:spcBef>
+                <a:spcPts val="0"/>
+              </a:spcBef>
+              <a:spcAft>
+                <a:spcPts val="0"/>
+              </a:spcAft>
+              <a:buClrTx/>
+              <a:buSzTx/>
+              <a:buFontTx/>
+              <a:buNone/>
+              <a:tabLst/>
+              <a:defRPr/>
+            </a:pPr>
+            <a:endParaRPr kumimoji="0" lang="es-ES" sz="2000" b="0" i="0" u="none" strike="noStrike" kern="1200" cap="none" spc="0" normalizeH="0" baseline="0" noProof="0" dirty="0">
+              <a:ln>
+                <a:noFill/>
+              </a:ln>
+              <a:effectLst/>
+              <a:uLnTx/>
+              <a:uFillTx/>
+              <a:latin typeface="Open Sans" panose="020B0606030504020204" pitchFamily="34" charset="0"/>
+              <a:ea typeface="Open Sans" panose="020B0606030504020204" pitchFamily="34" charset="0"/>
+              <a:cs typeface="Open Sans" panose="020B0606030504020204" pitchFamily="34" charset="0"/>
+            </a:endParaRPr>
+          </a:p>
+          <a:p>
+            <a:pPr marL="0" marR="0" lvl="0" indent="0" algn="l" defTabSz="914400" rtl="0" eaLnBrk="1" fontAlgn="auto" latinLnBrk="0" hangingPunct="1">
+              <a:lnSpc>
+                <a:spcPct val="100000"/>
+              </a:lnSpc>
+              <a:spcBef>
+                <a:spcPts val="0"/>
+              </a:spcBef>
+              <a:spcAft>
+                <a:spcPts val="0"/>
+              </a:spcAft>
+              <a:buClrTx/>
+              <a:buSzTx/>
+              <a:buFontTx/>
+              <a:buNone/>
+              <a:tabLst/>
+              <a:defRPr/>
+            </a:pPr>
+            <a:r>
+              <a:rPr lang="es-ES" sz="2000" dirty="0">
+                <a:latin typeface="Open Sans" panose="020B0606030504020204" pitchFamily="34" charset="0"/>
+                <a:ea typeface="Open Sans" panose="020B0606030504020204" pitchFamily="34" charset="0"/>
+                <a:cs typeface="Open Sans" panose="020B0606030504020204" pitchFamily="34" charset="0"/>
+              </a:rPr>
+              <a:t>La experiencia de desarrollo permite:</a:t>
+            </a:r>
+          </a:p>
+          <a:p>
+            <a:pPr marL="342900" marR="0" lvl="0" indent="-342900" algn="l" defTabSz="914400" rtl="0" eaLnBrk="1" fontAlgn="auto" latinLnBrk="0" hangingPunct="1">
+              <a:lnSpc>
+                <a:spcPct val="100000"/>
+              </a:lnSpc>
+              <a:spcBef>
+                <a:spcPts val="0"/>
+              </a:spcBef>
+              <a:spcAft>
+                <a:spcPts val="0"/>
+              </a:spcAft>
+              <a:buClrTx/>
+              <a:buSzTx/>
+              <a:buFont typeface="Arial" panose="020B0604020202020204" pitchFamily="34" charset="0"/>
+              <a:buChar char="•"/>
+              <a:tabLst/>
+              <a:defRPr/>
+            </a:pPr>
+            <a:r>
+              <a:rPr lang="es-ES" sz="2000" dirty="0">
+                <a:latin typeface="Open Sans" panose="020B0606030504020204" pitchFamily="34" charset="0"/>
+                <a:ea typeface="Open Sans" panose="020B0606030504020204" pitchFamily="34" charset="0"/>
+                <a:cs typeface="Open Sans" panose="020B0606030504020204" pitchFamily="34" charset="0"/>
+              </a:rPr>
+              <a:t>Compilar y lanzar Apps en emulador o dispositivo.</a:t>
+            </a:r>
+          </a:p>
+          <a:p>
+            <a:pPr marL="342900" marR="0" lvl="0" indent="-342900" algn="l" defTabSz="914400" rtl="0" eaLnBrk="1" fontAlgn="auto" latinLnBrk="0" hangingPunct="1">
+              <a:lnSpc>
+                <a:spcPct val="100000"/>
+              </a:lnSpc>
+              <a:spcBef>
+                <a:spcPts val="0"/>
+              </a:spcBef>
+              <a:spcAft>
+                <a:spcPts val="0"/>
+              </a:spcAft>
+              <a:buClrTx/>
+              <a:buSzTx/>
+              <a:buFont typeface="Arial" panose="020B0604020202020204" pitchFamily="34" charset="0"/>
+              <a:buChar char="•"/>
+              <a:tabLst/>
+              <a:defRPr/>
+            </a:pPr>
+            <a:r>
+              <a:rPr lang="es-ES" sz="2000" dirty="0">
+                <a:latin typeface="Open Sans" panose="020B0606030504020204" pitchFamily="34" charset="0"/>
+                <a:ea typeface="Open Sans" panose="020B0606030504020204" pitchFamily="34" charset="0"/>
+                <a:cs typeface="Open Sans" panose="020B0606030504020204" pitchFamily="34" charset="0"/>
+              </a:rPr>
+              <a:t>Manejar sesión de depuración: pilas de llamadas, </a:t>
+            </a:r>
+            <a:r>
+              <a:rPr lang="es-ES" sz="2000" dirty="0" err="1">
+                <a:latin typeface="Open Sans" panose="020B0606030504020204" pitchFamily="34" charset="0"/>
+                <a:ea typeface="Open Sans" panose="020B0606030504020204" pitchFamily="34" charset="0"/>
+                <a:cs typeface="Open Sans" panose="020B0606030504020204" pitchFamily="34" charset="0"/>
+              </a:rPr>
+              <a:t>breakpoints</a:t>
+            </a:r>
+            <a:r>
+              <a:rPr lang="es-ES" sz="2000" dirty="0">
+                <a:latin typeface="Open Sans" panose="020B0606030504020204" pitchFamily="34" charset="0"/>
+                <a:ea typeface="Open Sans" panose="020B0606030504020204" pitchFamily="34" charset="0"/>
+                <a:cs typeface="Open Sans" panose="020B0606030504020204" pitchFamily="34" charset="0"/>
+              </a:rPr>
+              <a:t>, etc.</a:t>
+            </a:r>
+            <a:endParaRPr kumimoji="0" lang="en-US" sz="2000" b="0" i="0" u="none" strike="noStrike" kern="1200" cap="none" spc="0" normalizeH="0" baseline="0" noProof="0" dirty="0">
+              <a:ln>
+                <a:noFill/>
+              </a:ln>
+              <a:effectLst/>
+              <a:uLnTx/>
+              <a:uFillTx/>
+              <a:latin typeface="Open Sans" panose="020B0606030504020204" pitchFamily="34" charset="0"/>
+              <a:ea typeface="Open Sans" panose="020B0606030504020204" pitchFamily="34" charset="0"/>
+              <a:cs typeface="Open Sans" panose="020B0606030504020204" pitchFamily="34" charset="0"/>
+            </a:endParaRPr>
+          </a:p>
+        </p:txBody>
+      </p:sp>
+      <p:sp>
+        <p:nvSpPr>
+          <p:cNvPr id="6" name="Title 5">
+            <a:extLst>
+              <a:ext uri="{FF2B5EF4-FFF2-40B4-BE49-F238E27FC236}">
+                <a16:creationId xmlns:a16="http://schemas.microsoft.com/office/drawing/2014/main" id="{7C376708-27FB-47AF-ABE1-2D622AC8ED83}"/>
+              </a:ext>
+            </a:extLst>
+          </p:cNvPr>
+          <p:cNvSpPr>
+            <a:spLocks noGrp="1"/>
+          </p:cNvSpPr>
+          <p:nvPr>
+            <p:ph type="title"/>
+          </p:nvPr>
+        </p:nvSpPr>
+        <p:spPr/>
+        <p:txBody>
+          <a:bodyPr>
+            <a:normAutofit/>
+          </a:bodyPr>
+          <a:lstStyle/>
+          <a:p>
+            <a:r>
+              <a:rPr lang="es-ES" sz="3600" dirty="0"/>
+              <a:t>O</a:t>
+            </a:r>
+            <a:r>
+              <a:rPr lang="en-US" sz="3600" dirty="0" err="1"/>
+              <a:t>tra</a:t>
+            </a:r>
+            <a:r>
+              <a:rPr lang="en-US" sz="3600" dirty="0"/>
+              <a:t> </a:t>
+            </a:r>
+            <a:r>
+              <a:rPr lang="en-US" sz="3600" dirty="0" err="1"/>
+              <a:t>opción</a:t>
+            </a:r>
+            <a:r>
+              <a:rPr lang="en-US" sz="3600" dirty="0"/>
+              <a:t>, Visual Studio Code</a:t>
+            </a:r>
+          </a:p>
+        </p:txBody>
+      </p:sp>
+      <p:sp>
+        <p:nvSpPr>
+          <p:cNvPr id="27" name="TextBox 26">
+            <a:extLst>
+              <a:ext uri="{FF2B5EF4-FFF2-40B4-BE49-F238E27FC236}">
+                <a16:creationId xmlns:a16="http://schemas.microsoft.com/office/drawing/2014/main" id="{E6899861-F3C8-435F-842F-0D4F0330DE36}"/>
+              </a:ext>
+            </a:extLst>
+          </p:cNvPr>
+          <p:cNvSpPr txBox="1"/>
+          <p:nvPr/>
+        </p:nvSpPr>
+        <p:spPr>
+          <a:xfrm>
+            <a:off x="1761461" y="6271276"/>
+            <a:ext cx="8669078" cy="221599"/>
+          </a:xfrm>
+          <a:prstGeom prst="rect">
+            <a:avLst/>
+          </a:prstGeom>
+          <a:noFill/>
+        </p:spPr>
+        <p:txBody>
+          <a:bodyPr wrap="square" lIns="0" tIns="0" rIns="0" bIns="0" rtlCol="0">
+            <a:spAutoFit/>
+          </a:bodyPr>
+          <a:lstStyle/>
+          <a:p>
+            <a:pPr lvl="0" algn="ctr">
+              <a:lnSpc>
+                <a:spcPct val="90000"/>
+              </a:lnSpc>
+              <a:spcAft>
+                <a:spcPts val="600"/>
+              </a:spcAft>
+              <a:tabLst>
+                <a:tab pos="5380038" algn="l"/>
+              </a:tabLst>
+              <a:defRPr/>
+            </a:pPr>
+            <a:r>
+              <a:rPr lang="en-US" sz="1600" b="1" dirty="0">
+                <a:solidFill>
+                  <a:schemeClr val="accent3">
+                    <a:lumMod val="75000"/>
+                  </a:schemeClr>
+                </a:solidFill>
+                <a:latin typeface="Open Sans" panose="020B0606030504020204" pitchFamily="34" charset="0"/>
+                <a:ea typeface="Open Sans" panose="020B0606030504020204" pitchFamily="34" charset="0"/>
+                <a:cs typeface="Open Sans" panose="020B0606030504020204" pitchFamily="34" charset="0"/>
+              </a:rPr>
+              <a:t>https://marketplace.visualstudio.com/items?itemName=Clancey.comet-debug</a:t>
+            </a:r>
+            <a:endParaRPr kumimoji="0" lang="en-US" sz="1600" b="1" i="0" u="none" strike="noStrike" kern="1200" cap="none" spc="0" normalizeH="0" baseline="0" noProof="0" dirty="0">
+              <a:ln>
+                <a:noFill/>
+              </a:ln>
+              <a:solidFill>
+                <a:schemeClr val="accent3">
+                  <a:lumMod val="75000"/>
+                </a:schemeClr>
+              </a:solidFill>
+              <a:effectLst/>
+              <a:highlight>
+                <a:srgbClr val="FFFF00"/>
+              </a:highlight>
+              <a:uLnTx/>
+              <a:uFillTx/>
+              <a:latin typeface="Open Sans" panose="020B0606030504020204" pitchFamily="34" charset="0"/>
+              <a:ea typeface="Open Sans" panose="020B0606030504020204" pitchFamily="34" charset="0"/>
+              <a:cs typeface="Open Sans" panose="020B0606030504020204" pitchFamily="34" charset="0"/>
+            </a:endParaRPr>
+          </a:p>
+        </p:txBody>
+      </p:sp>
+      <p:pic>
+        <p:nvPicPr>
+          <p:cNvPr id="13" name="Picture 12">
+            <a:extLst>
+              <a:ext uri="{FF2B5EF4-FFF2-40B4-BE49-F238E27FC236}">
+                <a16:creationId xmlns:a16="http://schemas.microsoft.com/office/drawing/2014/main" id="{2AA1F2A7-2B09-4AAB-AB72-1E6573294884}"/>
+              </a:ext>
+            </a:extLst>
+          </p:cNvPr>
+          <p:cNvPicPr>
+            <a:picLocks noChangeAspect="1"/>
+          </p:cNvPicPr>
+          <p:nvPr/>
+        </p:nvPicPr>
+        <p:blipFill>
+          <a:blip r:embed="rId3"/>
+          <a:stretch>
+            <a:fillRect/>
+          </a:stretch>
+        </p:blipFill>
+        <p:spPr>
+          <a:xfrm>
+            <a:off x="478353" y="1475281"/>
+            <a:ext cx="4785437" cy="3907437"/>
+          </a:xfrm>
+          <a:prstGeom prst="rect">
+            <a:avLst/>
+          </a:prstGeom>
+        </p:spPr>
+      </p:pic>
+    </p:spTree>
+    <p:extLst>
+      <p:ext uri="{BB962C8B-B14F-4D97-AF65-F5344CB8AC3E}">
+        <p14:creationId xmlns:p14="http://schemas.microsoft.com/office/powerpoint/2010/main" val="1113948976"/>
+      </p:ext>
+    </p:extLst>
+  </p:cSld>
+  <p:clrMapOvr>
+    <a:masterClrMapping/>
+  </p:clrMapOvr>
+  <p:timing>
+    <p:tnLst>
+      <p:par>
+        <p:cTn id="1" dur="indefinite" restart="never" nodeType="tmRoot">
+          <p:childTnLst>
+            <p:seq concurrent="1" nextAc="seek">
+              <p:cTn id="2" dur="indefinite" nodeType="mainSeq">
+                <p:childTnLst>
+                  <p:par>
+                    <p:cTn id="3" fill="hold">
+                      <p:stCondLst>
+                        <p:cond delay="indefinite"/>
+                        <p:cond evt="onBegin" delay="0">
+                          <p:tn val="2"/>
+                        </p:cond>
+                      </p:stCondLst>
+                      <p:childTnLst>
+                        <p:par>
+                          <p:cTn id="4" fill="hold">
+                            <p:stCondLst>
+                              <p:cond delay="0"/>
+                            </p:stCondLst>
+                            <p:childTnLst>
+                              <p:par>
+                                <p:cTn id="5" presetID="10" presetClass="entr" presetSubtype="0" fill="hold" grpId="0" nodeType="afterEffect">
+                                  <p:stCondLst>
+                                    <p:cond delay="0"/>
+                                  </p:stCondLst>
+                                  <p:childTnLst>
+                                    <p:set>
+                                      <p:cBhvr>
+                                        <p:cTn id="6" dur="1" fill="hold">
+                                          <p:stCondLst>
+                                            <p:cond delay="0"/>
+                                          </p:stCondLst>
+                                        </p:cTn>
+                                        <p:tgtEl>
+                                          <p:spTgt spid="11">
+                                            <p:txEl>
+                                              <p:pRg st="0" end="0"/>
+                                            </p:txEl>
+                                          </p:spTgt>
+                                        </p:tgtEl>
+                                        <p:attrNameLst>
+                                          <p:attrName>style.visibility</p:attrName>
+                                        </p:attrNameLst>
+                                      </p:cBhvr>
+                                      <p:to>
+                                        <p:strVal val="visible"/>
+                                      </p:to>
+                                    </p:set>
+                                    <p:animEffect transition="in" filter="fade">
+                                      <p:cBhvr>
+                                        <p:cTn id="7" dur="500"/>
+                                        <p:tgtEl>
+                                          <p:spTgt spid="11">
+                                            <p:txEl>
+                                              <p:pRg st="0" end="0"/>
+                                            </p:txEl>
+                                          </p:spTgt>
+                                        </p:tgtEl>
+                                      </p:cBhvr>
+                                    </p:animEffect>
+                                  </p:childTnLst>
+                                </p:cTn>
+                              </p:par>
+                            </p:childTnLst>
+                          </p:cTn>
+                        </p:par>
+                      </p:childTnLst>
+                    </p:cTn>
+                  </p:par>
+                  <p:par>
+                    <p:cTn id="8" fill="hold">
+                      <p:stCondLst>
+                        <p:cond delay="indefinite"/>
+                      </p:stCondLst>
+                      <p:childTnLst>
+                        <p:par>
+                          <p:cTn id="9" fill="hold">
+                            <p:stCondLst>
+                              <p:cond delay="0"/>
+                            </p:stCondLst>
+                            <p:childTnLst>
+                              <p:par>
+                                <p:cTn id="10" presetID="10" presetClass="entr" presetSubtype="0" fill="hold" grpId="0" nodeType="clickEffect">
+                                  <p:stCondLst>
+                                    <p:cond delay="0"/>
+                                  </p:stCondLst>
+                                  <p:childTnLst>
+                                    <p:set>
+                                      <p:cBhvr>
+                                        <p:cTn id="11" dur="1" fill="hold">
+                                          <p:stCondLst>
+                                            <p:cond delay="0"/>
+                                          </p:stCondLst>
+                                        </p:cTn>
+                                        <p:tgtEl>
+                                          <p:spTgt spid="11">
+                                            <p:txEl>
+                                              <p:pRg st="2" end="2"/>
+                                            </p:txEl>
+                                          </p:spTgt>
+                                        </p:tgtEl>
+                                        <p:attrNameLst>
+                                          <p:attrName>style.visibility</p:attrName>
+                                        </p:attrNameLst>
+                                      </p:cBhvr>
+                                      <p:to>
+                                        <p:strVal val="visible"/>
+                                      </p:to>
+                                    </p:set>
+                                    <p:animEffect transition="in" filter="fade">
+                                      <p:cBhvr>
+                                        <p:cTn id="12" dur="500"/>
+                                        <p:tgtEl>
+                                          <p:spTgt spid="11">
+                                            <p:txEl>
+                                              <p:pRg st="2" end="2"/>
+                                            </p:txEl>
+                                          </p:spTgt>
+                                        </p:tgtEl>
+                                      </p:cBhvr>
+                                    </p:animEffect>
+                                  </p:childTnLst>
+                                </p:cTn>
+                              </p:par>
+                            </p:childTnLst>
+                          </p:cTn>
+                        </p:par>
+                      </p:childTnLst>
+                    </p:cTn>
+                  </p:par>
+                  <p:par>
+                    <p:cTn id="13" fill="hold">
+                      <p:stCondLst>
+                        <p:cond delay="indefinite"/>
+                      </p:stCondLst>
+                      <p:childTnLst>
+                        <p:par>
+                          <p:cTn id="14" fill="hold">
+                            <p:stCondLst>
+                              <p:cond delay="0"/>
+                            </p:stCondLst>
+                            <p:childTnLst>
+                              <p:par>
+                                <p:cTn id="15" presetID="10" presetClass="entr" presetSubtype="0" fill="hold" grpId="0" nodeType="clickEffect">
+                                  <p:stCondLst>
+                                    <p:cond delay="0"/>
+                                  </p:stCondLst>
+                                  <p:childTnLst>
+                                    <p:set>
+                                      <p:cBhvr>
+                                        <p:cTn id="16" dur="1" fill="hold">
+                                          <p:stCondLst>
+                                            <p:cond delay="0"/>
+                                          </p:stCondLst>
+                                        </p:cTn>
+                                        <p:tgtEl>
+                                          <p:spTgt spid="11">
+                                            <p:txEl>
+                                              <p:pRg st="3" end="3"/>
+                                            </p:txEl>
+                                          </p:spTgt>
+                                        </p:tgtEl>
+                                        <p:attrNameLst>
+                                          <p:attrName>style.visibility</p:attrName>
+                                        </p:attrNameLst>
+                                      </p:cBhvr>
+                                      <p:to>
+                                        <p:strVal val="visible"/>
+                                      </p:to>
+                                    </p:set>
+                                    <p:animEffect transition="in" filter="fade">
+                                      <p:cBhvr>
+                                        <p:cTn id="17" dur="500"/>
+                                        <p:tgtEl>
+                                          <p:spTgt spid="11">
+                                            <p:txEl>
+                                              <p:pRg st="3" end="3"/>
+                                            </p:txEl>
+                                          </p:spTgt>
+                                        </p:tgtEl>
+                                      </p:cBhvr>
+                                    </p:animEffect>
+                                  </p:childTnLst>
+                                </p:cTn>
+                              </p:par>
+                            </p:childTnLst>
+                          </p:cTn>
+                        </p:par>
+                      </p:childTnLst>
+                    </p:cTn>
+                  </p:par>
+                  <p:par>
+                    <p:cTn id="18" fill="hold">
+                      <p:stCondLst>
+                        <p:cond delay="indefinite"/>
+                      </p:stCondLst>
+                      <p:childTnLst>
+                        <p:par>
+                          <p:cTn id="19" fill="hold">
+                            <p:stCondLst>
+                              <p:cond delay="0"/>
+                            </p:stCondLst>
+                            <p:childTnLst>
+                              <p:par>
+                                <p:cTn id="20" presetID="10" presetClass="entr" presetSubtype="0" fill="hold" grpId="0" nodeType="clickEffect">
+                                  <p:stCondLst>
+                                    <p:cond delay="0"/>
+                                  </p:stCondLst>
+                                  <p:childTnLst>
+                                    <p:set>
+                                      <p:cBhvr>
+                                        <p:cTn id="21" dur="1" fill="hold">
+                                          <p:stCondLst>
+                                            <p:cond delay="0"/>
+                                          </p:stCondLst>
+                                        </p:cTn>
+                                        <p:tgtEl>
+                                          <p:spTgt spid="11">
+                                            <p:txEl>
+                                              <p:pRg st="4" end="4"/>
+                                            </p:txEl>
+                                          </p:spTgt>
+                                        </p:tgtEl>
+                                        <p:attrNameLst>
+                                          <p:attrName>style.visibility</p:attrName>
+                                        </p:attrNameLst>
+                                      </p:cBhvr>
+                                      <p:to>
+                                        <p:strVal val="visible"/>
+                                      </p:to>
+                                    </p:set>
+                                    <p:animEffect transition="in" filter="fade">
+                                      <p:cBhvr>
+                                        <p:cTn id="22" dur="500"/>
+                                        <p:tgtEl>
+                                          <p:spTgt spid="11">
+                                            <p:txEl>
+                                              <p:pRg st="4" end="4"/>
+                                            </p:txEl>
+                                          </p:spTgt>
+                                        </p:tgtEl>
+                                      </p:cBhvr>
+                                    </p:animEffect>
+                                  </p:childTnLst>
+                                </p:cTn>
+                              </p:par>
+                            </p:childTnLst>
+                          </p:cTn>
+                        </p:par>
+                        <p:par>
+                          <p:cTn id="23" fill="hold">
+                            <p:stCondLst>
+                              <p:cond delay="500"/>
+                            </p:stCondLst>
+                            <p:childTnLst>
+                              <p:par>
+                                <p:cTn id="24" presetID="10" presetClass="entr" presetSubtype="0" fill="hold" grpId="0" nodeType="afterEffect">
+                                  <p:stCondLst>
+                                    <p:cond delay="0"/>
+                                  </p:stCondLst>
+                                  <p:childTnLst>
+                                    <p:set>
+                                      <p:cBhvr>
+                                        <p:cTn id="25" dur="1" fill="hold">
+                                          <p:stCondLst>
+                                            <p:cond delay="0"/>
+                                          </p:stCondLst>
+                                        </p:cTn>
+                                        <p:tgtEl>
+                                          <p:spTgt spid="27"/>
+                                        </p:tgtEl>
+                                        <p:attrNameLst>
+                                          <p:attrName>style.visibility</p:attrName>
+                                        </p:attrNameLst>
+                                      </p:cBhvr>
+                                      <p:to>
+                                        <p:strVal val="visible"/>
+                                      </p:to>
+                                    </p:set>
+                                    <p:animEffect transition="in" filter="fade">
+                                      <p:cBhvr>
+                                        <p:cTn id="26" dur="500"/>
+                                        <p:tgtEl>
+                                          <p:spTgt spid="27"/>
+                                        </p:tgtEl>
+                                      </p:cBhvr>
+                                    </p:animEffect>
+                                  </p:childTnLst>
+                                </p:cTn>
+                              </p:par>
+                              <p:par>
+                                <p:cTn id="27" presetID="42" presetClass="path" presetSubtype="0" decel="100000" fill="hold" grpId="1" nodeType="withEffect">
+                                  <p:stCondLst>
+                                    <p:cond delay="0"/>
+                                  </p:stCondLst>
+                                  <p:childTnLst>
+                                    <p:animMotion origin="layout" path="M 0 4.44444E-6 L 0 0.03287 " pathEditMode="relative" rAng="0" ptsTypes="AA">
+                                      <p:cBhvr>
+                                        <p:cTn id="28" dur="500" spd="-100000" fill="hold"/>
+                                        <p:tgtEl>
+                                          <p:spTgt spid="27"/>
+                                        </p:tgtEl>
+                                        <p:attrNameLst>
+                                          <p:attrName>ppt_x</p:attrName>
+                                          <p:attrName>ppt_y</p:attrName>
+                                        </p:attrNameLst>
+                                      </p:cBhvr>
+                                      <p:rCtr x="0" y="1644"/>
+                                    </p:animMotion>
+                                  </p:childTnLst>
+                                </p:cTn>
+                              </p:par>
+                            </p:childTnLst>
+                          </p:cTn>
+                        </p:par>
+                      </p:childTnLst>
+                    </p:cTn>
+                  </p:par>
+                </p:childTnLst>
+              </p:cTn>
+              <p:prevCondLst>
+                <p:cond evt="onPrev" delay="0">
+                  <p:tgtEl>
+                    <p:sldTgt/>
+                  </p:tgtEl>
+                </p:cond>
+              </p:prevCondLst>
+              <p:nextCondLst>
+                <p:cond evt="onNext" delay="0">
+                  <p:tgtEl>
+                    <p:sldTgt/>
+                  </p:tgtEl>
+                </p:cond>
+              </p:nextCondLst>
+            </p:seq>
+          </p:childTnLst>
+        </p:cTn>
+      </p:par>
+    </p:tnLst>
+    <p:bldLst>
+      <p:bldP spid="11" grpId="0" uiExpand="1" build="p"/>
+      <p:bldP spid="27" grpId="0"/>
+      <p:bldP spid="27" grpId="1"/>
+    </p:bldLst>
+  </p:timing>
+</p:sld>
+</file>
+
+<file path=ppt/slides/slide4.xml><?xml version="1.0" encoding="utf-8"?>
 <p:sld xmlns:a="http://schemas.openxmlformats.org/drawingml/2006/main" xmlns:r="http://schemas.openxmlformats.org/officeDocument/2006/relationships" xmlns:p="http://schemas.openxmlformats.org/presentationml/2006/main">
   <p:cSld>
     <p:spTree>

--- a/Bloque 2 - Instalación/Taller7 - Hablando de entorno en macOS.pptx
+++ b/Bloque 2 - Instalación/Taller7 - Hablando de entorno en macOS.pptx
@@ -6,13 +6,16 @@
     <p:sldMasterId id="2147483793" r:id="rId2"/>
   </p:sldMasterIdLst>
   <p:notesMasterIdLst>
-    <p:notesMasterId r:id="rId7"/>
+    <p:notesMasterId r:id="rId10"/>
   </p:notesMasterIdLst>
   <p:sldIdLst>
     <p:sldId id="291" r:id="rId3"/>
-    <p:sldId id="2147469518" r:id="rId4"/>
-    <p:sldId id="2147469507" r:id="rId5"/>
-    <p:sldId id="282" r:id="rId6"/>
+    <p:sldId id="2147469519" r:id="rId4"/>
+    <p:sldId id="2147469520" r:id="rId5"/>
+    <p:sldId id="2147469525" r:id="rId6"/>
+    <p:sldId id="2147469518" r:id="rId7"/>
+    <p:sldId id="2147469507" r:id="rId8"/>
+    <p:sldId id="282" r:id="rId9"/>
   </p:sldIdLst>
   <p:sldSz cx="12192000" cy="6858000"/>
   <p:notesSz cx="6858000" cy="9144000"/>
@@ -3451,7 +3454,7 @@
           <a:p>
             <a:fld id="{A334C884-B1D7-A043-A4AA-521744755A4B}" type="datetimeFigureOut">
               <a:rPr lang="en-US" smtClean="0"/>
-              <a:t>4/17/2022</a:t>
+              <a:t>4/18/2022</a:t>
             </a:fld>
             <a:endParaRPr lang="en-US"/>
           </a:p>
@@ -3869,7 +3872,7 @@
     </p:spTree>
     <p:extLst>
       <p:ext uri="{BB962C8B-B14F-4D97-AF65-F5344CB8AC3E}">
-        <p14:creationId xmlns:p14="http://schemas.microsoft.com/office/powerpoint/2010/main" val="458497798"/>
+        <p14:creationId xmlns:p14="http://schemas.microsoft.com/office/powerpoint/2010/main" val="694273832"/>
       </p:ext>
     </p:extLst>
   </p:cSld>
@@ -3923,6 +3926,328 @@
           <a:bodyPr/>
           <a:lstStyle/>
           <a:p>
+            <a:pPr marL="0" marR="0" lvl="0" indent="0" algn="l" defTabSz="914400" rtl="0" eaLnBrk="1" fontAlgn="auto" latinLnBrk="0" hangingPunct="1">
+              <a:lnSpc>
+                <a:spcPct val="100000"/>
+              </a:lnSpc>
+              <a:spcBef>
+                <a:spcPts val="0"/>
+              </a:spcBef>
+              <a:spcAft>
+                <a:spcPts val="0"/>
+              </a:spcAft>
+              <a:buClrTx/>
+              <a:buSzTx/>
+              <a:buFontTx/>
+              <a:buNone/>
+              <a:tabLst/>
+              <a:defRPr/>
+            </a:pPr>
+            <a:endParaRPr lang="en-US" dirty="0"/>
+          </a:p>
+        </p:txBody>
+      </p:sp>
+      <p:sp>
+        <p:nvSpPr>
+          <p:cNvPr id="4" name="Slide Number Placeholder 3"/>
+          <p:cNvSpPr>
+            <a:spLocks noGrp="1"/>
+          </p:cNvSpPr>
+          <p:nvPr>
+            <p:ph type="sldNum" sz="quarter" idx="5"/>
+          </p:nvPr>
+        </p:nvSpPr>
+        <p:spPr/>
+        <p:txBody>
+          <a:bodyPr/>
+          <a:lstStyle/>
+          <a:p>
+            <a:pPr marL="0" marR="0" lvl="0" indent="0" algn="r" defTabSz="914400" rtl="0" eaLnBrk="1" fontAlgn="auto" latinLnBrk="0" hangingPunct="1">
+              <a:lnSpc>
+                <a:spcPct val="100000"/>
+              </a:lnSpc>
+              <a:spcBef>
+                <a:spcPts val="0"/>
+              </a:spcBef>
+              <a:spcAft>
+                <a:spcPts val="0"/>
+              </a:spcAft>
+              <a:buClrTx/>
+              <a:buSzTx/>
+              <a:buFontTx/>
+              <a:buNone/>
+              <a:tabLst/>
+              <a:defRPr/>
+            </a:pPr>
+            <a:fld id="{F14E7EBF-8FEE-4079-889B-EEE134D3083A}" type="slidenum">
+              <a:rPr kumimoji="0" lang="en-US" sz="1200" b="0" i="0" u="none" strike="noStrike" kern="1200" cap="none" spc="0" normalizeH="0" baseline="0" noProof="0" smtClean="0">
+                <a:ln>
+                  <a:noFill/>
+                </a:ln>
+                <a:solidFill>
+                  <a:prstClr val="black"/>
+                </a:solidFill>
+                <a:effectLst/>
+                <a:uLnTx/>
+                <a:uFillTx/>
+                <a:latin typeface="Calibri" panose="020F0502020204030204"/>
+                <a:ea typeface="+mn-ea"/>
+                <a:cs typeface="+mn-cs"/>
+              </a:rPr>
+              <a:pPr marL="0" marR="0" lvl="0" indent="0" algn="r" defTabSz="914400" rtl="0" eaLnBrk="1" fontAlgn="auto" latinLnBrk="0" hangingPunct="1">
+                <a:lnSpc>
+                  <a:spcPct val="100000"/>
+                </a:lnSpc>
+                <a:spcBef>
+                  <a:spcPts val="0"/>
+                </a:spcBef>
+                <a:spcAft>
+                  <a:spcPts val="0"/>
+                </a:spcAft>
+                <a:buClrTx/>
+                <a:buSzTx/>
+                <a:buFontTx/>
+                <a:buNone/>
+                <a:tabLst/>
+                <a:defRPr/>
+              </a:pPr>
+              <a:t>4</a:t>
+            </a:fld>
+            <a:endParaRPr kumimoji="0" lang="en-US" sz="1200" b="0" i="0" u="none" strike="noStrike" kern="1200" cap="none" spc="0" normalizeH="0" baseline="0" noProof="0">
+              <a:ln>
+                <a:noFill/>
+              </a:ln>
+              <a:solidFill>
+                <a:prstClr val="black"/>
+              </a:solidFill>
+              <a:effectLst/>
+              <a:uLnTx/>
+              <a:uFillTx/>
+              <a:latin typeface="Calibri" panose="020F0502020204030204"/>
+              <a:ea typeface="+mn-ea"/>
+              <a:cs typeface="+mn-cs"/>
+            </a:endParaRPr>
+          </a:p>
+        </p:txBody>
+      </p:sp>
+    </p:spTree>
+    <p:extLst>
+      <p:ext uri="{BB962C8B-B14F-4D97-AF65-F5344CB8AC3E}">
+        <p14:creationId xmlns:p14="http://schemas.microsoft.com/office/powerpoint/2010/main" val="3126082472"/>
+      </p:ext>
+    </p:extLst>
+  </p:cSld>
+  <p:clrMapOvr>
+    <a:masterClrMapping/>
+  </p:clrMapOvr>
+</p:notes>
+</file>
+
+<file path=ppt/notesSlides/notesSlide3.xml><?xml version="1.0" encoding="utf-8"?>
+<p:notes xmlns:a="http://schemas.openxmlformats.org/drawingml/2006/main" xmlns:r="http://schemas.openxmlformats.org/officeDocument/2006/relationships" xmlns:p="http://schemas.openxmlformats.org/presentationml/2006/main">
+  <p:cSld>
+    <p:spTree>
+      <p:nvGrpSpPr>
+        <p:cNvPr id="1" name=""/>
+        <p:cNvGrpSpPr/>
+        <p:nvPr/>
+      </p:nvGrpSpPr>
+      <p:grpSpPr>
+        <a:xfrm>
+          <a:off x="0" y="0"/>
+          <a:ext cx="0" cy="0"/>
+          <a:chOff x="0" y="0"/>
+          <a:chExt cx="0" cy="0"/>
+        </a:xfrm>
+      </p:grpSpPr>
+      <p:sp>
+        <p:nvSpPr>
+          <p:cNvPr id="2" name="Slide Image Placeholder 1"/>
+          <p:cNvSpPr>
+            <a:spLocks noGrp="1" noRot="1" noChangeAspect="1"/>
+          </p:cNvSpPr>
+          <p:nvPr>
+            <p:ph type="sldImg"/>
+          </p:nvPr>
+        </p:nvSpPr>
+        <p:spPr/>
+      </p:sp>
+      <p:sp>
+        <p:nvSpPr>
+          <p:cNvPr id="3" name="Notes Placeholder 2"/>
+          <p:cNvSpPr>
+            <a:spLocks noGrp="1"/>
+          </p:cNvSpPr>
+          <p:nvPr>
+            <p:ph type="body" idx="1"/>
+          </p:nvPr>
+        </p:nvSpPr>
+        <p:spPr/>
+        <p:txBody>
+          <a:bodyPr/>
+          <a:lstStyle/>
+          <a:p>
+            <a:pPr marL="0" marR="0" lvl="0" indent="0" algn="l" defTabSz="914400" rtl="0" eaLnBrk="1" fontAlgn="auto" latinLnBrk="0" hangingPunct="1">
+              <a:lnSpc>
+                <a:spcPct val="100000"/>
+              </a:lnSpc>
+              <a:spcBef>
+                <a:spcPts val="0"/>
+              </a:spcBef>
+              <a:spcAft>
+                <a:spcPts val="0"/>
+              </a:spcAft>
+              <a:buClrTx/>
+              <a:buSzTx/>
+              <a:buFontTx/>
+              <a:buNone/>
+              <a:tabLst/>
+              <a:defRPr/>
+            </a:pPr>
+            <a:endParaRPr lang="en-US" dirty="0"/>
+          </a:p>
+        </p:txBody>
+      </p:sp>
+      <p:sp>
+        <p:nvSpPr>
+          <p:cNvPr id="4" name="Slide Number Placeholder 3"/>
+          <p:cNvSpPr>
+            <a:spLocks noGrp="1"/>
+          </p:cNvSpPr>
+          <p:nvPr>
+            <p:ph type="sldNum" sz="quarter" idx="5"/>
+          </p:nvPr>
+        </p:nvSpPr>
+        <p:spPr/>
+        <p:txBody>
+          <a:bodyPr/>
+          <a:lstStyle/>
+          <a:p>
+            <a:pPr marL="0" marR="0" lvl="0" indent="0" algn="r" defTabSz="914400" rtl="0" eaLnBrk="1" fontAlgn="auto" latinLnBrk="0" hangingPunct="1">
+              <a:lnSpc>
+                <a:spcPct val="100000"/>
+              </a:lnSpc>
+              <a:spcBef>
+                <a:spcPts val="0"/>
+              </a:spcBef>
+              <a:spcAft>
+                <a:spcPts val="0"/>
+              </a:spcAft>
+              <a:buClrTx/>
+              <a:buSzTx/>
+              <a:buFontTx/>
+              <a:buNone/>
+              <a:tabLst/>
+              <a:defRPr/>
+            </a:pPr>
+            <a:fld id="{F14E7EBF-8FEE-4079-889B-EEE134D3083A}" type="slidenum">
+              <a:rPr kumimoji="0" lang="en-US" sz="1200" b="0" i="0" u="none" strike="noStrike" kern="1200" cap="none" spc="0" normalizeH="0" baseline="0" noProof="0" smtClean="0">
+                <a:ln>
+                  <a:noFill/>
+                </a:ln>
+                <a:solidFill>
+                  <a:prstClr val="black"/>
+                </a:solidFill>
+                <a:effectLst/>
+                <a:uLnTx/>
+                <a:uFillTx/>
+                <a:latin typeface="Calibri" panose="020F0502020204030204"/>
+                <a:ea typeface="+mn-ea"/>
+                <a:cs typeface="+mn-cs"/>
+              </a:rPr>
+              <a:pPr marL="0" marR="0" lvl="0" indent="0" algn="r" defTabSz="914400" rtl="0" eaLnBrk="1" fontAlgn="auto" latinLnBrk="0" hangingPunct="1">
+                <a:lnSpc>
+                  <a:spcPct val="100000"/>
+                </a:lnSpc>
+                <a:spcBef>
+                  <a:spcPts val="0"/>
+                </a:spcBef>
+                <a:spcAft>
+                  <a:spcPts val="0"/>
+                </a:spcAft>
+                <a:buClrTx/>
+                <a:buSzTx/>
+                <a:buFontTx/>
+                <a:buNone/>
+                <a:tabLst/>
+                <a:defRPr/>
+              </a:pPr>
+              <a:t>6</a:t>
+            </a:fld>
+            <a:endParaRPr kumimoji="0" lang="en-US" sz="1200" b="0" i="0" u="none" strike="noStrike" kern="1200" cap="none" spc="0" normalizeH="0" baseline="0" noProof="0">
+              <a:ln>
+                <a:noFill/>
+              </a:ln>
+              <a:solidFill>
+                <a:prstClr val="black"/>
+              </a:solidFill>
+              <a:effectLst/>
+              <a:uLnTx/>
+              <a:uFillTx/>
+              <a:latin typeface="Calibri" panose="020F0502020204030204"/>
+              <a:ea typeface="+mn-ea"/>
+              <a:cs typeface="+mn-cs"/>
+            </a:endParaRPr>
+          </a:p>
+        </p:txBody>
+      </p:sp>
+    </p:spTree>
+    <p:extLst>
+      <p:ext uri="{BB962C8B-B14F-4D97-AF65-F5344CB8AC3E}">
+        <p14:creationId xmlns:p14="http://schemas.microsoft.com/office/powerpoint/2010/main" val="458497798"/>
+      </p:ext>
+    </p:extLst>
+  </p:cSld>
+  <p:clrMapOvr>
+    <a:masterClrMapping/>
+  </p:clrMapOvr>
+</p:notes>
+</file>
+
+<file path=ppt/notesSlides/notesSlide4.xml><?xml version="1.0" encoding="utf-8"?>
+<p:notes xmlns:a="http://schemas.openxmlformats.org/drawingml/2006/main" xmlns:r="http://schemas.openxmlformats.org/officeDocument/2006/relationships" xmlns:p="http://schemas.openxmlformats.org/presentationml/2006/main">
+  <p:cSld>
+    <p:spTree>
+      <p:nvGrpSpPr>
+        <p:cNvPr id="1" name=""/>
+        <p:cNvGrpSpPr/>
+        <p:nvPr/>
+      </p:nvGrpSpPr>
+      <p:grpSpPr>
+        <a:xfrm>
+          <a:off x="0" y="0"/>
+          <a:ext cx="0" cy="0"/>
+          <a:chOff x="0" y="0"/>
+          <a:chExt cx="0" cy="0"/>
+        </a:xfrm>
+      </p:grpSpPr>
+      <p:sp>
+        <p:nvSpPr>
+          <p:cNvPr id="2" name="Slide Image Placeholder 1"/>
+          <p:cNvSpPr>
+            <a:spLocks noGrp="1" noRot="1" noChangeAspect="1"/>
+          </p:cNvSpPr>
+          <p:nvPr>
+            <p:ph type="sldImg"/>
+          </p:nvPr>
+        </p:nvSpPr>
+        <p:spPr/>
+      </p:sp>
+      <p:sp>
+        <p:nvSpPr>
+          <p:cNvPr id="3" name="Notes Placeholder 2"/>
+          <p:cNvSpPr>
+            <a:spLocks noGrp="1"/>
+          </p:cNvSpPr>
+          <p:nvPr>
+            <p:ph type="body" idx="1"/>
+          </p:nvPr>
+        </p:nvSpPr>
+        <p:spPr/>
+        <p:txBody>
+          <a:bodyPr/>
+          <a:lstStyle/>
+          <a:p>
             <a:endParaRPr lang="en-US" dirty="0"/>
           </a:p>
         </p:txBody>
@@ -3998,7 +4323,7 @@
           <a:p>
             <a:fld id="{E74353ED-ACB2-44BF-A903-985B0AF962B7}" type="datetime1">
               <a:rPr lang="en-US" smtClean="0"/>
-              <a:t>4/17/2022</a:t>
+              <a:t>4/18/2022</a:t>
             </a:fld>
             <a:endParaRPr lang="en-US" dirty="0"/>
           </a:p>
@@ -4022,7 +4347,7 @@
             <a:fld id="{B4008EB6-D09E-4580-8CD6-DDB14511944F}" type="slidenum">
               <a:rPr lang="en-US" smtClean="0"/>
               <a:pPr/>
-              <a:t>4</a:t>
+              <a:t>7</a:t>
             </a:fld>
             <a:endParaRPr lang="en-US" dirty="0"/>
           </a:p>
@@ -6698,7 +7023,7 @@
           <a:p>
             <a:fld id="{0A627400-D089-7447-864B-77479EBD4214}" type="datetimeFigureOut">
               <a:rPr lang="en-US" smtClean="0"/>
-              <a:t>4/17/2022</a:t>
+              <a:t>4/18/2022</a:t>
             </a:fld>
             <a:endParaRPr lang="en-US"/>
           </a:p>
@@ -6918,7 +7243,7 @@
           <a:p>
             <a:fld id="{0A627400-D089-7447-864B-77479EBD4214}" type="datetimeFigureOut">
               <a:rPr lang="en-US" smtClean="0"/>
-              <a:t>4/17/2022</a:t>
+              <a:t>4/18/2022</a:t>
             </a:fld>
             <a:endParaRPr lang="en-US"/>
           </a:p>
@@ -7116,7 +7441,7 @@
           <a:p>
             <a:fld id="{0A627400-D089-7447-864B-77479EBD4214}" type="datetimeFigureOut">
               <a:rPr lang="en-US" smtClean="0"/>
-              <a:t>4/17/2022</a:t>
+              <a:t>4/18/2022</a:t>
             </a:fld>
             <a:endParaRPr lang="en-US"/>
           </a:p>
@@ -7391,7 +7716,7 @@
           <a:p>
             <a:fld id="{0A627400-D089-7447-864B-77479EBD4214}" type="datetimeFigureOut">
               <a:rPr lang="en-US" smtClean="0"/>
-              <a:t>4/17/2022</a:t>
+              <a:t>4/18/2022</a:t>
             </a:fld>
             <a:endParaRPr lang="en-US"/>
           </a:p>
@@ -7856,7 +8181,7 @@
           <a:p>
             <a:fld id="{0A627400-D089-7447-864B-77479EBD4214}" type="datetimeFigureOut">
               <a:rPr lang="en-US" smtClean="0"/>
-              <a:t>4/17/2022</a:t>
+              <a:t>4/18/2022</a:t>
             </a:fld>
             <a:endParaRPr lang="en-US"/>
           </a:p>
@@ -8268,7 +8593,7 @@
           <a:p>
             <a:fld id="{0A627400-D089-7447-864B-77479EBD4214}" type="datetimeFigureOut">
               <a:rPr lang="en-US" smtClean="0"/>
-              <a:t>4/17/2022</a:t>
+              <a:t>4/18/2022</a:t>
             </a:fld>
             <a:endParaRPr lang="en-US"/>
           </a:p>
@@ -8474,7 +8799,7 @@
           <a:p>
             <a:fld id="{0A627400-D089-7447-864B-77479EBD4214}" type="datetimeFigureOut">
               <a:rPr lang="en-US" smtClean="0"/>
-              <a:t>4/17/2022</a:t>
+              <a:t>4/18/2022</a:t>
             </a:fld>
             <a:endParaRPr lang="en-US"/>
           </a:p>
@@ -8616,7 +8941,7 @@
             <a:fld id="{0A627400-D089-7447-864B-77479EBD4214}" type="datetimeFigureOut">
               <a:rPr lang="en-US" smtClean="0"/>
               <a:pPr/>
-              <a:t>4/17/2022</a:t>
+              <a:t>4/18/2022</a:t>
             </a:fld>
             <a:endParaRPr lang="en-US"/>
           </a:p>
@@ -8780,7 +9105,7 @@
           <a:p>
             <a:fld id="{0A627400-D089-7447-864B-77479EBD4214}" type="datetimeFigureOut">
               <a:rPr lang="en-US" smtClean="0"/>
-              <a:t>4/17/2022</a:t>
+              <a:t>4/18/2022</a:t>
             </a:fld>
             <a:endParaRPr lang="en-US"/>
           </a:p>
@@ -8893,7 +9218,7 @@
           <a:p>
             <a:fld id="{0A627400-D089-7447-864B-77479EBD4214}" type="datetimeFigureOut">
               <a:rPr lang="en-US" smtClean="0"/>
-              <a:t>4/17/2022</a:t>
+              <a:t>4/18/2022</a:t>
             </a:fld>
             <a:endParaRPr lang="en-US"/>
           </a:p>
@@ -9204,7 +9529,7 @@
           <a:p>
             <a:fld id="{0A627400-D089-7447-864B-77479EBD4214}" type="datetimeFigureOut">
               <a:rPr lang="en-US" smtClean="0"/>
-              <a:t>4/17/2022</a:t>
+              <a:t>4/18/2022</a:t>
             </a:fld>
             <a:endParaRPr lang="en-US"/>
           </a:p>
@@ -9492,7 +9817,7 @@
           <a:p>
             <a:fld id="{0A627400-D089-7447-864B-77479EBD4214}" type="datetimeFigureOut">
               <a:rPr lang="en-US" smtClean="0"/>
-              <a:t>4/17/2022</a:t>
+              <a:t>4/18/2022</a:t>
             </a:fld>
             <a:endParaRPr lang="en-US"/>
           </a:p>
@@ -11745,7 +12070,7 @@
             <a:fld id="{0A627400-D089-7447-864B-77479EBD4214}" type="datetimeFigureOut">
               <a:rPr lang="en-US" smtClean="0"/>
               <a:pPr/>
-              <a:t>4/17/2022</a:t>
+              <a:t>4/18/2022</a:t>
             </a:fld>
             <a:endParaRPr lang="en-US"/>
           </a:p>
@@ -12552,6 +12877,1111 @@
                   <a:schemeClr val="bg1"/>
                 </a:solidFill>
               </a:rPr>
+              <a:t>Visual Studio macOS</a:t>
+            </a:r>
+            <a:endParaRPr lang="en-US" sz="7200" dirty="0">
+              <a:solidFill>
+                <a:schemeClr val="bg1"/>
+              </a:solidFill>
+            </a:endParaRPr>
+          </a:p>
+        </p:txBody>
+      </p:sp>
+    </p:spTree>
+    <p:extLst>
+      <p:ext uri="{BB962C8B-B14F-4D97-AF65-F5344CB8AC3E}">
+        <p14:creationId xmlns:p14="http://schemas.microsoft.com/office/powerpoint/2010/main" val="806078096"/>
+      </p:ext>
+    </p:extLst>
+  </p:cSld>
+  <p:clrMapOvr>
+    <a:masterClrMapping/>
+  </p:clrMapOvr>
+  <p:transition spd="med"/>
+</p:sld>
+</file>
+
+<file path=ppt/slides/slide3.xml><?xml version="1.0" encoding="utf-8"?>
+<p:sld xmlns:a="http://schemas.openxmlformats.org/drawingml/2006/main" xmlns:r="http://schemas.openxmlformats.org/officeDocument/2006/relationships" xmlns:p="http://schemas.openxmlformats.org/presentationml/2006/main">
+  <p:cSld>
+    <p:spTree>
+      <p:nvGrpSpPr>
+        <p:cNvPr id="1" name=""/>
+        <p:cNvGrpSpPr/>
+        <p:nvPr/>
+      </p:nvGrpSpPr>
+      <p:grpSpPr>
+        <a:xfrm>
+          <a:off x="0" y="0"/>
+          <a:ext cx="0" cy="0"/>
+          <a:chOff x="0" y="0"/>
+          <a:chExt cx="0" cy="0"/>
+        </a:xfrm>
+      </p:grpSpPr>
+      <p:sp>
+        <p:nvSpPr>
+          <p:cNvPr id="11" name="TextBox 10">
+            <a:extLst>
+              <a:ext uri="{FF2B5EF4-FFF2-40B4-BE49-F238E27FC236}">
+                <a16:creationId xmlns:a16="http://schemas.microsoft.com/office/drawing/2014/main" id="{C0E7814F-772A-488B-9829-94D3C5B349DF}"/>
+              </a:ext>
+            </a:extLst>
+          </p:cNvPr>
+          <p:cNvSpPr txBox="1"/>
+          <p:nvPr/>
+        </p:nvSpPr>
+        <p:spPr>
+          <a:xfrm>
+            <a:off x="7239786" y="1926945"/>
+            <a:ext cx="4685294" cy="2554545"/>
+          </a:xfrm>
+          <a:prstGeom prst="rect">
+            <a:avLst/>
+          </a:prstGeom>
+          <a:noFill/>
+        </p:spPr>
+        <p:txBody>
+          <a:bodyPr wrap="square">
+            <a:spAutoFit/>
+          </a:bodyPr>
+          <a:lstStyle/>
+          <a:p>
+            <a:pPr marL="0" marR="0" lvl="0" indent="0" algn="l" defTabSz="914400" rtl="0" eaLnBrk="1" fontAlgn="auto" latinLnBrk="0" hangingPunct="1">
+              <a:lnSpc>
+                <a:spcPct val="100000"/>
+              </a:lnSpc>
+              <a:spcBef>
+                <a:spcPts val="0"/>
+              </a:spcBef>
+              <a:spcAft>
+                <a:spcPts val="0"/>
+              </a:spcAft>
+              <a:buClrTx/>
+              <a:buSzTx/>
+              <a:buFontTx/>
+              <a:buNone/>
+              <a:tabLst/>
+              <a:defRPr/>
+            </a:pPr>
+            <a:r>
+              <a:rPr lang="es-ES" sz="2000" noProof="0" dirty="0">
+                <a:latin typeface="Open Sans" panose="020B0606030504020204" pitchFamily="34" charset="0"/>
+                <a:ea typeface="Open Sans" panose="020B0606030504020204" pitchFamily="34" charset="0"/>
+                <a:cs typeface="Open Sans" panose="020B0606030504020204" pitchFamily="34" charset="0"/>
+              </a:rPr>
+              <a:t>De momento, Visual Studio para Mac no esta exactamente al mismo nivel que en Windows a la hora de trabajar con .MET MAUI.</a:t>
+            </a:r>
+          </a:p>
+          <a:p>
+            <a:pPr marL="0" marR="0" lvl="0" indent="0" algn="l" defTabSz="914400" rtl="0" eaLnBrk="1" fontAlgn="auto" latinLnBrk="0" hangingPunct="1">
+              <a:lnSpc>
+                <a:spcPct val="100000"/>
+              </a:lnSpc>
+              <a:spcBef>
+                <a:spcPts val="0"/>
+              </a:spcBef>
+              <a:spcAft>
+                <a:spcPts val="0"/>
+              </a:spcAft>
+              <a:buClrTx/>
+              <a:buSzTx/>
+              <a:buFontTx/>
+              <a:buNone/>
+              <a:tabLst/>
+              <a:defRPr/>
+            </a:pPr>
+            <a:endParaRPr kumimoji="0" lang="es-ES" sz="2000" b="0" i="0" u="none" strike="noStrike" kern="1200" cap="none" spc="0" normalizeH="0" baseline="0" dirty="0">
+              <a:ln>
+                <a:noFill/>
+              </a:ln>
+              <a:effectLst/>
+              <a:uLnTx/>
+              <a:uFillTx/>
+              <a:latin typeface="Open Sans" panose="020B0606030504020204" pitchFamily="34" charset="0"/>
+              <a:ea typeface="Open Sans" panose="020B0606030504020204" pitchFamily="34" charset="0"/>
+              <a:cs typeface="Open Sans" panose="020B0606030504020204" pitchFamily="34" charset="0"/>
+            </a:endParaRPr>
+          </a:p>
+          <a:p>
+            <a:pPr marL="0" marR="0" lvl="0" indent="0" algn="l" defTabSz="914400" rtl="0" eaLnBrk="1" fontAlgn="auto" latinLnBrk="0" hangingPunct="1">
+              <a:lnSpc>
+                <a:spcPct val="100000"/>
+              </a:lnSpc>
+              <a:spcBef>
+                <a:spcPts val="0"/>
+              </a:spcBef>
+              <a:spcAft>
+                <a:spcPts val="0"/>
+              </a:spcAft>
+              <a:buClrTx/>
+              <a:buSzTx/>
+              <a:buFontTx/>
+              <a:buNone/>
+              <a:tabLst/>
+              <a:defRPr/>
+            </a:pPr>
+            <a:r>
+              <a:rPr lang="es-ES" sz="2000" noProof="0" dirty="0">
+                <a:latin typeface="Open Sans" panose="020B0606030504020204" pitchFamily="34" charset="0"/>
+                <a:ea typeface="Open Sans" panose="020B0606030504020204" pitchFamily="34" charset="0"/>
+                <a:cs typeface="Open Sans" panose="020B0606030504020204" pitchFamily="34" charset="0"/>
+              </a:rPr>
+              <a:t>Utilizando la última </a:t>
+            </a:r>
+            <a:r>
+              <a:rPr lang="es-ES" sz="2000" b="1" noProof="0" dirty="0" err="1">
+                <a:latin typeface="Open Sans" panose="020B0606030504020204" pitchFamily="34" charset="0"/>
+                <a:ea typeface="Open Sans" panose="020B0606030504020204" pitchFamily="34" charset="0"/>
+                <a:cs typeface="Open Sans" panose="020B0606030504020204" pitchFamily="34" charset="0"/>
+              </a:rPr>
+              <a:t>Preview</a:t>
+            </a:r>
+            <a:r>
+              <a:rPr lang="es-ES" sz="2000" b="1" noProof="0" dirty="0">
+                <a:latin typeface="Open Sans" panose="020B0606030504020204" pitchFamily="34" charset="0"/>
+                <a:ea typeface="Open Sans" panose="020B0606030504020204" pitchFamily="34" charset="0"/>
+                <a:cs typeface="Open Sans" panose="020B0606030504020204" pitchFamily="34" charset="0"/>
+              </a:rPr>
+              <a:t> de Visual Studio 2022 para Mac </a:t>
+            </a:r>
+            <a:r>
+              <a:rPr lang="es-ES" sz="2000" noProof="0" dirty="0">
+                <a:latin typeface="Open Sans" panose="020B0606030504020204" pitchFamily="34" charset="0"/>
+                <a:ea typeface="Open Sans" panose="020B0606030504020204" pitchFamily="34" charset="0"/>
+                <a:cs typeface="Open Sans" panose="020B0606030504020204" pitchFamily="34" charset="0"/>
+              </a:rPr>
+              <a:t>es posible abrir y compilar aplicaciones.</a:t>
+            </a:r>
+            <a:endParaRPr kumimoji="0" lang="en-US" sz="2000" b="0" i="0" u="none" strike="noStrike" kern="1200" cap="none" spc="0" normalizeH="0" baseline="0" noProof="0" dirty="0">
+              <a:ln>
+                <a:noFill/>
+              </a:ln>
+              <a:effectLst/>
+              <a:uLnTx/>
+              <a:uFillTx/>
+              <a:latin typeface="Open Sans" panose="020B0606030504020204" pitchFamily="34" charset="0"/>
+              <a:ea typeface="Open Sans" panose="020B0606030504020204" pitchFamily="34" charset="0"/>
+              <a:cs typeface="Open Sans" panose="020B0606030504020204" pitchFamily="34" charset="0"/>
+            </a:endParaRPr>
+          </a:p>
+        </p:txBody>
+      </p:sp>
+      <p:sp>
+        <p:nvSpPr>
+          <p:cNvPr id="6" name="Title 5">
+            <a:extLst>
+              <a:ext uri="{FF2B5EF4-FFF2-40B4-BE49-F238E27FC236}">
+                <a16:creationId xmlns:a16="http://schemas.microsoft.com/office/drawing/2014/main" id="{7C376708-27FB-47AF-ABE1-2D622AC8ED83}"/>
+              </a:ext>
+            </a:extLst>
+          </p:cNvPr>
+          <p:cNvSpPr>
+            <a:spLocks noGrp="1"/>
+          </p:cNvSpPr>
+          <p:nvPr>
+            <p:ph type="title"/>
+          </p:nvPr>
+        </p:nvSpPr>
+        <p:spPr/>
+        <p:txBody>
+          <a:bodyPr>
+            <a:normAutofit/>
+          </a:bodyPr>
+          <a:lstStyle/>
+          <a:p>
+            <a:r>
+              <a:rPr lang="es-ES" sz="3600" dirty="0"/>
+              <a:t>O</a:t>
+            </a:r>
+            <a:r>
+              <a:rPr lang="en-US" sz="3600" dirty="0" err="1"/>
+              <a:t>tra</a:t>
+            </a:r>
+            <a:r>
+              <a:rPr lang="en-US" sz="3600" dirty="0"/>
+              <a:t> </a:t>
+            </a:r>
+            <a:r>
+              <a:rPr lang="en-US" sz="3600" dirty="0" err="1"/>
+              <a:t>opción</a:t>
+            </a:r>
+            <a:r>
+              <a:rPr lang="en-US" sz="3600" dirty="0"/>
+              <a:t>, Visual Studio Code</a:t>
+            </a:r>
+          </a:p>
+        </p:txBody>
+      </p:sp>
+      <p:sp>
+        <p:nvSpPr>
+          <p:cNvPr id="27" name="TextBox 26">
+            <a:extLst>
+              <a:ext uri="{FF2B5EF4-FFF2-40B4-BE49-F238E27FC236}">
+                <a16:creationId xmlns:a16="http://schemas.microsoft.com/office/drawing/2014/main" id="{E6899861-F3C8-435F-842F-0D4F0330DE36}"/>
+              </a:ext>
+            </a:extLst>
+          </p:cNvPr>
+          <p:cNvSpPr txBox="1"/>
+          <p:nvPr/>
+        </p:nvSpPr>
+        <p:spPr>
+          <a:xfrm>
+            <a:off x="1761461" y="6271276"/>
+            <a:ext cx="8669078" cy="221599"/>
+          </a:xfrm>
+          <a:prstGeom prst="rect">
+            <a:avLst/>
+          </a:prstGeom>
+          <a:noFill/>
+        </p:spPr>
+        <p:txBody>
+          <a:bodyPr wrap="square" lIns="0" tIns="0" rIns="0" bIns="0" rtlCol="0">
+            <a:spAutoFit/>
+          </a:bodyPr>
+          <a:lstStyle/>
+          <a:p>
+            <a:pPr lvl="0" algn="ctr">
+              <a:lnSpc>
+                <a:spcPct val="90000"/>
+              </a:lnSpc>
+              <a:spcAft>
+                <a:spcPts val="600"/>
+              </a:spcAft>
+              <a:tabLst>
+                <a:tab pos="5380038" algn="l"/>
+              </a:tabLst>
+              <a:defRPr/>
+            </a:pPr>
+            <a:r>
+              <a:rPr lang="en-US" sz="1600" b="1" dirty="0">
+                <a:solidFill>
+                  <a:schemeClr val="accent3">
+                    <a:lumMod val="75000"/>
+                  </a:schemeClr>
+                </a:solidFill>
+                <a:latin typeface="Open Sans" panose="020B0606030504020204" pitchFamily="34" charset="0"/>
+                <a:ea typeface="Open Sans" panose="020B0606030504020204" pitchFamily="34" charset="0"/>
+                <a:cs typeface="Open Sans" panose="020B0606030504020204" pitchFamily="34" charset="0"/>
+              </a:rPr>
+              <a:t>https://visualstudio.microsoft.com/es/vs/mac/preview/</a:t>
+            </a:r>
+            <a:endParaRPr kumimoji="0" lang="en-US" sz="1600" b="1" i="0" u="none" strike="noStrike" kern="1200" cap="none" spc="0" normalizeH="0" baseline="0" noProof="0" dirty="0">
+              <a:ln>
+                <a:noFill/>
+              </a:ln>
+              <a:solidFill>
+                <a:schemeClr val="accent3">
+                  <a:lumMod val="75000"/>
+                </a:schemeClr>
+              </a:solidFill>
+              <a:effectLst/>
+              <a:highlight>
+                <a:srgbClr val="FFFF00"/>
+              </a:highlight>
+              <a:uLnTx/>
+              <a:uFillTx/>
+              <a:latin typeface="Open Sans" panose="020B0606030504020204" pitchFamily="34" charset="0"/>
+              <a:ea typeface="Open Sans" panose="020B0606030504020204" pitchFamily="34" charset="0"/>
+              <a:cs typeface="Open Sans" panose="020B0606030504020204" pitchFamily="34" charset="0"/>
+            </a:endParaRPr>
+          </a:p>
+        </p:txBody>
+      </p:sp>
+      <p:pic>
+        <p:nvPicPr>
+          <p:cNvPr id="3" name="Picture 2">
+            <a:extLst>
+              <a:ext uri="{FF2B5EF4-FFF2-40B4-BE49-F238E27FC236}">
+                <a16:creationId xmlns:a16="http://schemas.microsoft.com/office/drawing/2014/main" id="{323D6844-ED33-4995-A950-D63C32461DE1}"/>
+              </a:ext>
+            </a:extLst>
+          </p:cNvPr>
+          <p:cNvPicPr>
+            <a:picLocks noChangeAspect="1"/>
+          </p:cNvPicPr>
+          <p:nvPr/>
+        </p:nvPicPr>
+        <p:blipFill>
+          <a:blip r:embed="rId3"/>
+          <a:stretch>
+            <a:fillRect/>
+          </a:stretch>
+        </p:blipFill>
+        <p:spPr>
+          <a:xfrm>
+            <a:off x="269240" y="1926945"/>
+            <a:ext cx="6736663" cy="3399561"/>
+          </a:xfrm>
+          <a:prstGeom prst="rect">
+            <a:avLst/>
+          </a:prstGeom>
+        </p:spPr>
+      </p:pic>
+    </p:spTree>
+    <p:extLst>
+      <p:ext uri="{BB962C8B-B14F-4D97-AF65-F5344CB8AC3E}">
+        <p14:creationId xmlns:p14="http://schemas.microsoft.com/office/powerpoint/2010/main" val="4062845265"/>
+      </p:ext>
+    </p:extLst>
+  </p:cSld>
+  <p:clrMapOvr>
+    <a:masterClrMapping/>
+  </p:clrMapOvr>
+  <p:timing>
+    <p:tnLst>
+      <p:par>
+        <p:cTn id="1" dur="indefinite" restart="never" nodeType="tmRoot">
+          <p:childTnLst>
+            <p:seq concurrent="1" nextAc="seek">
+              <p:cTn id="2" dur="indefinite" nodeType="mainSeq">
+                <p:childTnLst>
+                  <p:par>
+                    <p:cTn id="3" fill="hold">
+                      <p:stCondLst>
+                        <p:cond delay="indefinite"/>
+                        <p:cond evt="onBegin" delay="0">
+                          <p:tn val="2"/>
+                        </p:cond>
+                      </p:stCondLst>
+                      <p:childTnLst>
+                        <p:par>
+                          <p:cTn id="4" fill="hold">
+                            <p:stCondLst>
+                              <p:cond delay="0"/>
+                            </p:stCondLst>
+                            <p:childTnLst>
+                              <p:par>
+                                <p:cTn id="5" presetID="10" presetClass="entr" presetSubtype="0" fill="hold" grpId="0" nodeType="afterEffect">
+                                  <p:stCondLst>
+                                    <p:cond delay="0"/>
+                                  </p:stCondLst>
+                                  <p:childTnLst>
+                                    <p:set>
+                                      <p:cBhvr>
+                                        <p:cTn id="6" dur="1" fill="hold">
+                                          <p:stCondLst>
+                                            <p:cond delay="0"/>
+                                          </p:stCondLst>
+                                        </p:cTn>
+                                        <p:tgtEl>
+                                          <p:spTgt spid="11">
+                                            <p:txEl>
+                                              <p:pRg st="0" end="0"/>
+                                            </p:txEl>
+                                          </p:spTgt>
+                                        </p:tgtEl>
+                                        <p:attrNameLst>
+                                          <p:attrName>style.visibility</p:attrName>
+                                        </p:attrNameLst>
+                                      </p:cBhvr>
+                                      <p:to>
+                                        <p:strVal val="visible"/>
+                                      </p:to>
+                                    </p:set>
+                                    <p:animEffect transition="in" filter="fade">
+                                      <p:cBhvr>
+                                        <p:cTn id="7" dur="500"/>
+                                        <p:tgtEl>
+                                          <p:spTgt spid="11">
+                                            <p:txEl>
+                                              <p:pRg st="0" end="0"/>
+                                            </p:txEl>
+                                          </p:spTgt>
+                                        </p:tgtEl>
+                                      </p:cBhvr>
+                                    </p:animEffect>
+                                  </p:childTnLst>
+                                </p:cTn>
+                              </p:par>
+                            </p:childTnLst>
+                          </p:cTn>
+                        </p:par>
+                      </p:childTnLst>
+                    </p:cTn>
+                  </p:par>
+                  <p:par>
+                    <p:cTn id="8" fill="hold">
+                      <p:stCondLst>
+                        <p:cond delay="indefinite"/>
+                      </p:stCondLst>
+                      <p:childTnLst>
+                        <p:par>
+                          <p:cTn id="9" fill="hold">
+                            <p:stCondLst>
+                              <p:cond delay="0"/>
+                            </p:stCondLst>
+                            <p:childTnLst>
+                              <p:par>
+                                <p:cTn id="10" presetID="10" presetClass="entr" presetSubtype="0" fill="hold" grpId="0" nodeType="clickEffect">
+                                  <p:stCondLst>
+                                    <p:cond delay="0"/>
+                                  </p:stCondLst>
+                                  <p:childTnLst>
+                                    <p:set>
+                                      <p:cBhvr>
+                                        <p:cTn id="11" dur="1" fill="hold">
+                                          <p:stCondLst>
+                                            <p:cond delay="0"/>
+                                          </p:stCondLst>
+                                        </p:cTn>
+                                        <p:tgtEl>
+                                          <p:spTgt spid="11">
+                                            <p:txEl>
+                                              <p:pRg st="2" end="2"/>
+                                            </p:txEl>
+                                          </p:spTgt>
+                                        </p:tgtEl>
+                                        <p:attrNameLst>
+                                          <p:attrName>style.visibility</p:attrName>
+                                        </p:attrNameLst>
+                                      </p:cBhvr>
+                                      <p:to>
+                                        <p:strVal val="visible"/>
+                                      </p:to>
+                                    </p:set>
+                                    <p:animEffect transition="in" filter="fade">
+                                      <p:cBhvr>
+                                        <p:cTn id="12" dur="500"/>
+                                        <p:tgtEl>
+                                          <p:spTgt spid="11">
+                                            <p:txEl>
+                                              <p:pRg st="2" end="2"/>
+                                            </p:txEl>
+                                          </p:spTgt>
+                                        </p:tgtEl>
+                                      </p:cBhvr>
+                                    </p:animEffect>
+                                  </p:childTnLst>
+                                </p:cTn>
+                              </p:par>
+                            </p:childTnLst>
+                          </p:cTn>
+                        </p:par>
+                        <p:par>
+                          <p:cTn id="13" fill="hold">
+                            <p:stCondLst>
+                              <p:cond delay="500"/>
+                            </p:stCondLst>
+                            <p:childTnLst>
+                              <p:par>
+                                <p:cTn id="14" presetID="10" presetClass="entr" presetSubtype="0" fill="hold" grpId="0" nodeType="afterEffect">
+                                  <p:stCondLst>
+                                    <p:cond delay="0"/>
+                                  </p:stCondLst>
+                                  <p:childTnLst>
+                                    <p:set>
+                                      <p:cBhvr>
+                                        <p:cTn id="15" dur="1" fill="hold">
+                                          <p:stCondLst>
+                                            <p:cond delay="0"/>
+                                          </p:stCondLst>
+                                        </p:cTn>
+                                        <p:tgtEl>
+                                          <p:spTgt spid="27"/>
+                                        </p:tgtEl>
+                                        <p:attrNameLst>
+                                          <p:attrName>style.visibility</p:attrName>
+                                        </p:attrNameLst>
+                                      </p:cBhvr>
+                                      <p:to>
+                                        <p:strVal val="visible"/>
+                                      </p:to>
+                                    </p:set>
+                                    <p:animEffect transition="in" filter="fade">
+                                      <p:cBhvr>
+                                        <p:cTn id="16" dur="500"/>
+                                        <p:tgtEl>
+                                          <p:spTgt spid="27"/>
+                                        </p:tgtEl>
+                                      </p:cBhvr>
+                                    </p:animEffect>
+                                  </p:childTnLst>
+                                </p:cTn>
+                              </p:par>
+                              <p:par>
+                                <p:cTn id="17" presetID="42" presetClass="path" presetSubtype="0" decel="100000" fill="hold" grpId="1" nodeType="withEffect">
+                                  <p:stCondLst>
+                                    <p:cond delay="0"/>
+                                  </p:stCondLst>
+                                  <p:childTnLst>
+                                    <p:animMotion origin="layout" path="M 0 4.44444E-6 L 0 0.03287 " pathEditMode="relative" rAng="0" ptsTypes="AA">
+                                      <p:cBhvr>
+                                        <p:cTn id="18" dur="500" spd="-100000" fill="hold"/>
+                                        <p:tgtEl>
+                                          <p:spTgt spid="27"/>
+                                        </p:tgtEl>
+                                        <p:attrNameLst>
+                                          <p:attrName>ppt_x</p:attrName>
+                                          <p:attrName>ppt_y</p:attrName>
+                                        </p:attrNameLst>
+                                      </p:cBhvr>
+                                      <p:rCtr x="0" y="1644"/>
+                                    </p:animMotion>
+                                  </p:childTnLst>
+                                </p:cTn>
+                              </p:par>
+                            </p:childTnLst>
+                          </p:cTn>
+                        </p:par>
+                      </p:childTnLst>
+                    </p:cTn>
+                  </p:par>
+                </p:childTnLst>
+              </p:cTn>
+              <p:prevCondLst>
+                <p:cond evt="onPrev" delay="0">
+                  <p:tgtEl>
+                    <p:sldTgt/>
+                  </p:tgtEl>
+                </p:cond>
+              </p:prevCondLst>
+              <p:nextCondLst>
+                <p:cond evt="onNext" delay="0">
+                  <p:tgtEl>
+                    <p:sldTgt/>
+                  </p:tgtEl>
+                </p:cond>
+              </p:nextCondLst>
+            </p:seq>
+          </p:childTnLst>
+        </p:cTn>
+      </p:par>
+    </p:tnLst>
+    <p:bldLst>
+      <p:bldP spid="11" grpId="0" uiExpand="1" build="p"/>
+      <p:bldP spid="27" grpId="0"/>
+      <p:bldP spid="27" grpId="1"/>
+    </p:bldLst>
+  </p:timing>
+</p:sld>
+</file>
+
+<file path=ppt/slides/slide4.xml><?xml version="1.0" encoding="utf-8"?>
+<p:sld xmlns:a="http://schemas.openxmlformats.org/drawingml/2006/main" xmlns:r="http://schemas.openxmlformats.org/officeDocument/2006/relationships" xmlns:p="http://schemas.openxmlformats.org/presentationml/2006/main">
+  <p:cSld>
+    <p:spTree>
+      <p:nvGrpSpPr>
+        <p:cNvPr id="1" name=""/>
+        <p:cNvGrpSpPr/>
+        <p:nvPr/>
+      </p:nvGrpSpPr>
+      <p:grpSpPr>
+        <a:xfrm>
+          <a:off x="0" y="0"/>
+          <a:ext cx="0" cy="0"/>
+          <a:chOff x="0" y="0"/>
+          <a:chExt cx="0" cy="0"/>
+        </a:xfrm>
+      </p:grpSpPr>
+      <p:sp>
+        <p:nvSpPr>
+          <p:cNvPr id="11" name="TextBox 10">
+            <a:extLst>
+              <a:ext uri="{FF2B5EF4-FFF2-40B4-BE49-F238E27FC236}">
+                <a16:creationId xmlns:a16="http://schemas.microsoft.com/office/drawing/2014/main" id="{C0E7814F-772A-488B-9829-94D3C5B349DF}"/>
+              </a:ext>
+            </a:extLst>
+          </p:cNvPr>
+          <p:cNvSpPr txBox="1"/>
+          <p:nvPr/>
+        </p:nvSpPr>
+        <p:spPr>
+          <a:xfrm>
+            <a:off x="269240" y="1257641"/>
+            <a:ext cx="11655840" cy="400110"/>
+          </a:xfrm>
+          <a:prstGeom prst="rect">
+            <a:avLst/>
+          </a:prstGeom>
+          <a:noFill/>
+        </p:spPr>
+        <p:txBody>
+          <a:bodyPr wrap="square">
+            <a:spAutoFit/>
+          </a:bodyPr>
+          <a:lstStyle/>
+          <a:p>
+            <a:pPr marL="0" marR="0" lvl="0" indent="0" algn="l" defTabSz="914400" rtl="0" eaLnBrk="1" fontAlgn="auto" latinLnBrk="0" hangingPunct="1">
+              <a:lnSpc>
+                <a:spcPct val="100000"/>
+              </a:lnSpc>
+              <a:spcBef>
+                <a:spcPts val="0"/>
+              </a:spcBef>
+              <a:spcAft>
+                <a:spcPts val="0"/>
+              </a:spcAft>
+              <a:buClrTx/>
+              <a:buSzTx/>
+              <a:buFontTx/>
+              <a:buNone/>
+              <a:tabLst/>
+              <a:defRPr/>
+            </a:pPr>
+            <a:r>
+              <a:rPr lang="es-ES" sz="2000" dirty="0">
+                <a:latin typeface="Open Sans" panose="020B0606030504020204" pitchFamily="34" charset="0"/>
+                <a:ea typeface="Open Sans" panose="020B0606030504020204" pitchFamily="34" charset="0"/>
+                <a:cs typeface="Open Sans" panose="020B0606030504020204" pitchFamily="34" charset="0"/>
+              </a:rPr>
+              <a:t>Para instalar las plantillas de proyecto de .NET MAUI:</a:t>
+            </a:r>
+            <a:endParaRPr kumimoji="0" lang="es-ES" sz="2000" b="0" i="0" u="none" strike="noStrike" kern="1200" cap="none" spc="0" normalizeH="0" baseline="0" noProof="0" dirty="0">
+              <a:ln>
+                <a:noFill/>
+              </a:ln>
+              <a:effectLst/>
+              <a:uLnTx/>
+              <a:uFillTx/>
+              <a:latin typeface="Open Sans" panose="020B0606030504020204" pitchFamily="34" charset="0"/>
+              <a:ea typeface="Open Sans" panose="020B0606030504020204" pitchFamily="34" charset="0"/>
+              <a:cs typeface="Open Sans" panose="020B0606030504020204" pitchFamily="34" charset="0"/>
+            </a:endParaRPr>
+          </a:p>
+        </p:txBody>
+      </p:sp>
+      <p:sp>
+        <p:nvSpPr>
+          <p:cNvPr id="6" name="Title 5">
+            <a:extLst>
+              <a:ext uri="{FF2B5EF4-FFF2-40B4-BE49-F238E27FC236}">
+                <a16:creationId xmlns:a16="http://schemas.microsoft.com/office/drawing/2014/main" id="{7C376708-27FB-47AF-ABE1-2D622AC8ED83}"/>
+              </a:ext>
+            </a:extLst>
+          </p:cNvPr>
+          <p:cNvSpPr>
+            <a:spLocks noGrp="1"/>
+          </p:cNvSpPr>
+          <p:nvPr>
+            <p:ph type="title"/>
+          </p:nvPr>
+        </p:nvSpPr>
+        <p:spPr/>
+        <p:txBody>
+          <a:bodyPr>
+            <a:normAutofit/>
+          </a:bodyPr>
+          <a:lstStyle/>
+          <a:p>
+            <a:r>
+              <a:rPr lang="es-ES" sz="3600" dirty="0"/>
+              <a:t>Instalación de las plantillas de proyecto</a:t>
+            </a:r>
+            <a:endParaRPr lang="en-US" sz="3600" dirty="0"/>
+          </a:p>
+        </p:txBody>
+      </p:sp>
+      <p:sp>
+        <p:nvSpPr>
+          <p:cNvPr id="27" name="TextBox 26">
+            <a:extLst>
+              <a:ext uri="{FF2B5EF4-FFF2-40B4-BE49-F238E27FC236}">
+                <a16:creationId xmlns:a16="http://schemas.microsoft.com/office/drawing/2014/main" id="{E6899861-F3C8-435F-842F-0D4F0330DE36}"/>
+              </a:ext>
+            </a:extLst>
+          </p:cNvPr>
+          <p:cNvSpPr txBox="1"/>
+          <p:nvPr/>
+        </p:nvSpPr>
+        <p:spPr>
+          <a:xfrm>
+            <a:off x="1761461" y="6271276"/>
+            <a:ext cx="8669078" cy="221599"/>
+          </a:xfrm>
+          <a:prstGeom prst="rect">
+            <a:avLst/>
+          </a:prstGeom>
+          <a:noFill/>
+        </p:spPr>
+        <p:txBody>
+          <a:bodyPr wrap="square" lIns="0" tIns="0" rIns="0" bIns="0" rtlCol="0">
+            <a:spAutoFit/>
+          </a:bodyPr>
+          <a:lstStyle/>
+          <a:p>
+            <a:pPr lvl="0" algn="ctr">
+              <a:lnSpc>
+                <a:spcPct val="90000"/>
+              </a:lnSpc>
+              <a:spcAft>
+                <a:spcPts val="600"/>
+              </a:spcAft>
+              <a:tabLst>
+                <a:tab pos="5380038" algn="l"/>
+              </a:tabLst>
+              <a:defRPr/>
+            </a:pPr>
+            <a:r>
+              <a:rPr lang="en-US" sz="1600" b="1" dirty="0">
+                <a:solidFill>
+                  <a:schemeClr val="accent3">
+                    <a:lumMod val="75000"/>
+                  </a:schemeClr>
+                </a:solidFill>
+                <a:latin typeface="Open Sans" panose="020B0606030504020204" pitchFamily="34" charset="0"/>
+                <a:ea typeface="Open Sans" panose="020B0606030504020204" pitchFamily="34" charset="0"/>
+                <a:cs typeface="Open Sans" panose="020B0606030504020204" pitchFamily="34" charset="0"/>
+              </a:rPr>
+              <a:t>https://github.com/dotnet/maui/blob/main/.github/DEVELOPMENT.md</a:t>
+            </a:r>
+            <a:endParaRPr kumimoji="0" lang="en-US" sz="1600" b="1" i="0" u="none" strike="noStrike" kern="1200" cap="none" spc="0" normalizeH="0" baseline="0" noProof="0" dirty="0">
+              <a:ln>
+                <a:noFill/>
+              </a:ln>
+              <a:solidFill>
+                <a:schemeClr val="accent3">
+                  <a:lumMod val="75000"/>
+                </a:schemeClr>
+              </a:solidFill>
+              <a:effectLst/>
+              <a:highlight>
+                <a:srgbClr val="FFFF00"/>
+              </a:highlight>
+              <a:uLnTx/>
+              <a:uFillTx/>
+              <a:latin typeface="Open Sans" panose="020B0606030504020204" pitchFamily="34" charset="0"/>
+              <a:ea typeface="Open Sans" panose="020B0606030504020204" pitchFamily="34" charset="0"/>
+              <a:cs typeface="Open Sans" panose="020B0606030504020204" pitchFamily="34" charset="0"/>
+            </a:endParaRPr>
+          </a:p>
+        </p:txBody>
+      </p:sp>
+      <p:sp>
+        <p:nvSpPr>
+          <p:cNvPr id="4" name="Rectangle 2">
+            <a:extLst>
+              <a:ext uri="{FF2B5EF4-FFF2-40B4-BE49-F238E27FC236}">
+                <a16:creationId xmlns:a16="http://schemas.microsoft.com/office/drawing/2014/main" id="{8E77BD80-F3DC-4F2D-900F-F470203B3DE1}"/>
+              </a:ext>
+            </a:extLst>
+          </p:cNvPr>
+          <p:cNvSpPr>
+            <a:spLocks noChangeArrowheads="1"/>
+          </p:cNvSpPr>
+          <p:nvPr/>
+        </p:nvSpPr>
+        <p:spPr bwMode="auto">
+          <a:xfrm>
+            <a:off x="336136" y="1985649"/>
+            <a:ext cx="11519728" cy="430887"/>
+          </a:xfrm>
+          <a:prstGeom prst="rect">
+            <a:avLst/>
+          </a:prstGeom>
+          <a:noFill/>
+          <a:ln>
+            <a:noFill/>
+          </a:ln>
+          <a:effectLst/>
+          <a:extLst>
+            <a:ext uri="{909E8E84-426E-40DD-AFC4-6F175D3DCCD1}">
+              <a14:hiddenFill xmlns:a14="http://schemas.microsoft.com/office/drawing/2010/main">
+                <a:solidFill>
+                  <a:schemeClr val="accent1"/>
+                </a:solidFill>
+              </a14:hiddenFill>
+            </a:ext>
+            <a:ext uri="{91240B29-F687-4F45-9708-019B960494DF}">
+              <a14:hiddenLine xmlns:a14="http://schemas.microsoft.com/office/drawing/2010/main" w="9525">
+                <a:solidFill>
+                  <a:schemeClr val="tx1"/>
+                </a:solidFill>
+                <a:miter lim="800000"/>
+                <a:headEnd/>
+                <a:tailEnd/>
+              </a14:hiddenLine>
+            </a:ext>
+            <a:ext uri="{AF507438-7753-43E0-B8FC-AC1667EBCBE1}">
+              <a14:hiddenEffects xmlns:a14="http://schemas.microsoft.com/office/drawing/2010/main">
+                <a:effectLst>
+                  <a:outerShdw dist="35921" dir="2700000" algn="ctr" rotWithShape="0">
+                    <a:schemeClr val="bg2"/>
+                  </a:outerShdw>
+                </a:effectLst>
+              </a14:hiddenEffects>
+            </a:ext>
+          </a:extLst>
+        </p:spPr>
+        <p:txBody>
+          <a:bodyPr vert="horz" wrap="square" lIns="0" tIns="0" rIns="0" bIns="0" numCol="1" anchor="ctr" anchorCtr="0" compatLnSpc="1">
+            <a:prstTxWarp prst="textNoShape">
+              <a:avLst/>
+            </a:prstTxWarp>
+            <a:spAutoFit/>
+          </a:bodyPr>
+          <a:lstStyle/>
+          <a:p>
+            <a:pPr marL="0" marR="0" lvl="0" indent="0" algn="l" defTabSz="914400" rtl="0" eaLnBrk="0" fontAlgn="base" latinLnBrk="0" hangingPunct="0">
+              <a:lnSpc>
+                <a:spcPct val="100000"/>
+              </a:lnSpc>
+              <a:spcBef>
+                <a:spcPct val="0"/>
+              </a:spcBef>
+              <a:spcAft>
+                <a:spcPct val="0"/>
+              </a:spcAft>
+              <a:buClrTx/>
+              <a:buSzTx/>
+              <a:buFontTx/>
+              <a:buNone/>
+              <a:tabLst/>
+            </a:pPr>
+            <a:r>
+              <a:rPr lang="en-US" sz="2800" b="0" i="0" dirty="0">
+                <a:solidFill>
+                  <a:srgbClr val="24292F"/>
+                </a:solidFill>
+                <a:effectLst/>
+                <a:latin typeface="ui-monospace"/>
+              </a:rPr>
+              <a:t>dotnet new --install </a:t>
+            </a:r>
+            <a:r>
+              <a:rPr lang="en-US" sz="2800" b="0" i="0" dirty="0" err="1">
+                <a:solidFill>
+                  <a:srgbClr val="24292F"/>
+                </a:solidFill>
+                <a:effectLst/>
+                <a:latin typeface="ui-monospace"/>
+              </a:rPr>
+              <a:t>Microsoft.Maui.Templates</a:t>
+            </a:r>
+            <a:endParaRPr kumimoji="0" lang="en-US" altLang="en-US" sz="6000" b="0" i="0" u="none" strike="noStrike" cap="none" normalizeH="0" baseline="0" dirty="0">
+              <a:ln>
+                <a:noFill/>
+              </a:ln>
+              <a:solidFill>
+                <a:schemeClr val="tx1"/>
+              </a:solidFill>
+              <a:effectLst/>
+              <a:latin typeface="Consolas" panose="020B0609020204030204" pitchFamily="49" charset="0"/>
+            </a:endParaRPr>
+          </a:p>
+        </p:txBody>
+      </p:sp>
+    </p:spTree>
+    <p:extLst>
+      <p:ext uri="{BB962C8B-B14F-4D97-AF65-F5344CB8AC3E}">
+        <p14:creationId xmlns:p14="http://schemas.microsoft.com/office/powerpoint/2010/main" val="1776813531"/>
+      </p:ext>
+    </p:extLst>
+  </p:cSld>
+  <p:clrMapOvr>
+    <a:masterClrMapping/>
+  </p:clrMapOvr>
+  <p:timing>
+    <p:tnLst>
+      <p:par>
+        <p:cTn id="1" dur="indefinite" restart="never" nodeType="tmRoot">
+          <p:childTnLst>
+            <p:seq concurrent="1" nextAc="seek">
+              <p:cTn id="2" dur="indefinite" nodeType="mainSeq">
+                <p:childTnLst>
+                  <p:par>
+                    <p:cTn id="3" fill="hold">
+                      <p:stCondLst>
+                        <p:cond delay="indefinite"/>
+                        <p:cond evt="onBegin" delay="0">
+                          <p:tn val="2"/>
+                        </p:cond>
+                      </p:stCondLst>
+                      <p:childTnLst>
+                        <p:par>
+                          <p:cTn id="4" fill="hold">
+                            <p:stCondLst>
+                              <p:cond delay="0"/>
+                            </p:stCondLst>
+                            <p:childTnLst>
+                              <p:par>
+                                <p:cTn id="5" presetID="10" presetClass="entr" presetSubtype="0" fill="hold" grpId="0" nodeType="afterEffect">
+                                  <p:stCondLst>
+                                    <p:cond delay="0"/>
+                                  </p:stCondLst>
+                                  <p:childTnLst>
+                                    <p:set>
+                                      <p:cBhvr>
+                                        <p:cTn id="6" dur="1" fill="hold">
+                                          <p:stCondLst>
+                                            <p:cond delay="0"/>
+                                          </p:stCondLst>
+                                        </p:cTn>
+                                        <p:tgtEl>
+                                          <p:spTgt spid="11">
+                                            <p:txEl>
+                                              <p:pRg st="0" end="0"/>
+                                            </p:txEl>
+                                          </p:spTgt>
+                                        </p:tgtEl>
+                                        <p:attrNameLst>
+                                          <p:attrName>style.visibility</p:attrName>
+                                        </p:attrNameLst>
+                                      </p:cBhvr>
+                                      <p:to>
+                                        <p:strVal val="visible"/>
+                                      </p:to>
+                                    </p:set>
+                                    <p:animEffect transition="in" filter="fade">
+                                      <p:cBhvr>
+                                        <p:cTn id="7" dur="500"/>
+                                        <p:tgtEl>
+                                          <p:spTgt spid="11">
+                                            <p:txEl>
+                                              <p:pRg st="0" end="0"/>
+                                            </p:txEl>
+                                          </p:spTgt>
+                                        </p:tgtEl>
+                                      </p:cBhvr>
+                                    </p:animEffect>
+                                  </p:childTnLst>
+                                </p:cTn>
+                              </p:par>
+                            </p:childTnLst>
+                          </p:cTn>
+                        </p:par>
+                        <p:par>
+                          <p:cTn id="8" fill="hold">
+                            <p:stCondLst>
+                              <p:cond delay="500"/>
+                            </p:stCondLst>
+                            <p:childTnLst>
+                              <p:par>
+                                <p:cTn id="9" presetID="10" presetClass="entr" presetSubtype="0" fill="hold" grpId="0" nodeType="afterEffect">
+                                  <p:stCondLst>
+                                    <p:cond delay="0"/>
+                                  </p:stCondLst>
+                                  <p:childTnLst>
+                                    <p:set>
+                                      <p:cBhvr>
+                                        <p:cTn id="10" dur="1" fill="hold">
+                                          <p:stCondLst>
+                                            <p:cond delay="0"/>
+                                          </p:stCondLst>
+                                        </p:cTn>
+                                        <p:tgtEl>
+                                          <p:spTgt spid="27"/>
+                                        </p:tgtEl>
+                                        <p:attrNameLst>
+                                          <p:attrName>style.visibility</p:attrName>
+                                        </p:attrNameLst>
+                                      </p:cBhvr>
+                                      <p:to>
+                                        <p:strVal val="visible"/>
+                                      </p:to>
+                                    </p:set>
+                                    <p:animEffect transition="in" filter="fade">
+                                      <p:cBhvr>
+                                        <p:cTn id="11" dur="500"/>
+                                        <p:tgtEl>
+                                          <p:spTgt spid="27"/>
+                                        </p:tgtEl>
+                                      </p:cBhvr>
+                                    </p:animEffect>
+                                  </p:childTnLst>
+                                </p:cTn>
+                              </p:par>
+                              <p:par>
+                                <p:cTn id="12" presetID="42" presetClass="path" presetSubtype="0" decel="100000" fill="hold" grpId="1" nodeType="withEffect">
+                                  <p:stCondLst>
+                                    <p:cond delay="0"/>
+                                  </p:stCondLst>
+                                  <p:childTnLst>
+                                    <p:animMotion origin="layout" path="M 0 4.44444E-6 L 0 0.03287 " pathEditMode="relative" rAng="0" ptsTypes="AA">
+                                      <p:cBhvr>
+                                        <p:cTn id="13" dur="500" spd="-100000" fill="hold"/>
+                                        <p:tgtEl>
+                                          <p:spTgt spid="27"/>
+                                        </p:tgtEl>
+                                        <p:attrNameLst>
+                                          <p:attrName>ppt_x</p:attrName>
+                                          <p:attrName>ppt_y</p:attrName>
+                                        </p:attrNameLst>
+                                      </p:cBhvr>
+                                      <p:rCtr x="0" y="1644"/>
+                                    </p:animMotion>
+                                  </p:childTnLst>
+                                </p:cTn>
+                              </p:par>
+                            </p:childTnLst>
+                          </p:cTn>
+                        </p:par>
+                      </p:childTnLst>
+                    </p:cTn>
+                  </p:par>
+                </p:childTnLst>
+              </p:cTn>
+              <p:prevCondLst>
+                <p:cond evt="onPrev" delay="0">
+                  <p:tgtEl>
+                    <p:sldTgt/>
+                  </p:tgtEl>
+                </p:cond>
+              </p:prevCondLst>
+              <p:nextCondLst>
+                <p:cond evt="onNext" delay="0">
+                  <p:tgtEl>
+                    <p:sldTgt/>
+                  </p:tgtEl>
+                </p:cond>
+              </p:nextCondLst>
+            </p:seq>
+          </p:childTnLst>
+        </p:cTn>
+      </p:par>
+    </p:tnLst>
+    <p:bldLst>
+      <p:bldP spid="11" grpId="0" uiExpand="1" build="p"/>
+      <p:bldP spid="27" grpId="0"/>
+      <p:bldP spid="27" grpId="1"/>
+    </p:bldLst>
+  </p:timing>
+</p:sld>
+</file>
+
+<file path=ppt/slides/slide5.xml><?xml version="1.0" encoding="utf-8"?>
+<p:sld xmlns:a="http://schemas.openxmlformats.org/drawingml/2006/main" xmlns:r="http://schemas.openxmlformats.org/officeDocument/2006/relationships" xmlns:p="http://schemas.openxmlformats.org/presentationml/2006/main">
+  <p:cSld>
+    <p:spTree>
+      <p:nvGrpSpPr>
+        <p:cNvPr id="1" name=""/>
+        <p:cNvGrpSpPr/>
+        <p:nvPr/>
+      </p:nvGrpSpPr>
+      <p:grpSpPr>
+        <a:xfrm>
+          <a:off x="0" y="0"/>
+          <a:ext cx="0" cy="0"/>
+          <a:chOff x="0" y="0"/>
+          <a:chExt cx="0" cy="0"/>
+        </a:xfrm>
+      </p:grpSpPr>
+      <p:sp>
+        <p:nvSpPr>
+          <p:cNvPr id="3" name="Title 2">
+            <a:extLst>
+              <a:ext uri="{FF2B5EF4-FFF2-40B4-BE49-F238E27FC236}">
+                <a16:creationId xmlns:a16="http://schemas.microsoft.com/office/drawing/2014/main" id="{652E2BA4-9FC0-4828-A940-3704183398DF}"/>
+              </a:ext>
+            </a:extLst>
+          </p:cNvPr>
+          <p:cNvSpPr>
+            <a:spLocks noGrp="1"/>
+          </p:cNvSpPr>
+          <p:nvPr>
+            <p:ph type="title"/>
+          </p:nvPr>
+        </p:nvSpPr>
+        <p:spPr/>
+        <p:txBody>
+          <a:bodyPr/>
+          <a:lstStyle/>
+          <a:p>
+            <a:r>
+              <a:rPr lang="es-ES" sz="7200" dirty="0">
+                <a:solidFill>
+                  <a:schemeClr val="bg1"/>
+                </a:solidFill>
+              </a:rPr>
               <a:t>Visual Studio </a:t>
             </a:r>
             <a:r>
@@ -12584,7 +14014,7 @@
 </p:sld>
 </file>
 
-<file path=ppt/slides/slide3.xml><?xml version="1.0" encoding="utf-8"?>
+<file path=ppt/slides/slide6.xml><?xml version="1.0" encoding="utf-8"?>
 <p:sld xmlns:a="http://schemas.openxmlformats.org/drawingml/2006/main" xmlns:r="http://schemas.openxmlformats.org/officeDocument/2006/relationships" xmlns:p="http://schemas.openxmlformats.org/presentationml/2006/main">
   <p:cSld>
     <p:spTree>
@@ -13331,7 +14761,7 @@
 </p:sld>
 </file>
 
-<file path=ppt/slides/slide4.xml><?xml version="1.0" encoding="utf-8"?>
+<file path=ppt/slides/slide7.xml><?xml version="1.0" encoding="utf-8"?>
 <p:sld xmlns:a="http://schemas.openxmlformats.org/drawingml/2006/main" xmlns:r="http://schemas.openxmlformats.org/officeDocument/2006/relationships" xmlns:p="http://schemas.openxmlformats.org/presentationml/2006/main">
   <p:cSld>
     <p:spTree>
